--- a/pptx_folder/빅데이터를 활용한 주식종목 분석_5월 16일.pptx
+++ b/pptx_folder/빅데이터를 활용한 주식종목 분석_5월 16일.pptx
@@ -18,9 +18,16 @@
     <p:sldId id="265" r:id="rId12"/>
     <p:sldId id="271" r:id="rId13"/>
     <p:sldId id="267" r:id="rId14"/>
-    <p:sldId id="270" r:id="rId15"/>
-    <p:sldId id="268" r:id="rId16"/>
-    <p:sldId id="269" r:id="rId17"/>
+    <p:sldId id="273" r:id="rId15"/>
+    <p:sldId id="274" r:id="rId16"/>
+    <p:sldId id="279" r:id="rId17"/>
+    <p:sldId id="275" r:id="rId18"/>
+    <p:sldId id="277" r:id="rId19"/>
+    <p:sldId id="278" r:id="rId20"/>
+    <p:sldId id="276" r:id="rId21"/>
+    <p:sldId id="270" r:id="rId22"/>
+    <p:sldId id="268" r:id="rId23"/>
+    <p:sldId id="269" r:id="rId24"/>
   </p:sldIdLst>
   <p:sldSz cx="9144000" cy="6858000" type="screen4x3"/>
   <p:notesSz cx="6858000" cy="9144000"/>
@@ -119,6 +126,22 @@
       </a:defRPr>
     </a:lvl9pPr>
   </p:defaultTextStyle>
+  <p:extLst>
+    <p:ext uri="{EFAFB233-063F-42B5-8137-9DF3F51BA10A}">
+      <p15:sldGuideLst xmlns:p15="http://schemas.microsoft.com/office/powerpoint/2012/main">
+        <p15:guide id="1" orient="horz" pos="2160">
+          <p15:clr>
+            <a:srgbClr val="A4A3A4"/>
+          </p15:clr>
+        </p15:guide>
+        <p15:guide id="2" pos="2880">
+          <p15:clr>
+            <a:srgbClr val="A4A3A4"/>
+          </p15:clr>
+        </p15:guide>
+      </p15:sldGuideLst>
+    </p:ext>
+  </p:extLst>
 </p:presentation>
 </file>
 
@@ -2831,6 +2854,14 @@
         </dgm:presLayoutVars>
       </dgm:prSet>
       <dgm:spPr/>
+      <dgm:t>
+        <a:bodyPr/>
+        <a:lstStyle/>
+        <a:p>
+          <a:pPr latinLnBrk="1"/>
+          <a:endParaRPr lang="ko-KR" altLang="en-US"/>
+        </a:p>
+      </dgm:t>
     </dgm:pt>
     <dgm:pt modelId="{D87A9921-1440-4663-A3F9-68B760C4B851}" type="pres">
       <dgm:prSet presAssocID="{A3320975-793C-47D2-95F3-68E077E714FD}" presName="composite" presStyleCnt="0"/>
@@ -2970,23 +3001,23 @@
     </dgm:pt>
   </dgm:ptLst>
   <dgm:cxnLst>
-    <dgm:cxn modelId="{83A7D16C-1C42-42A1-8AD8-32275FB814CA}" srcId="{2B7C463B-4913-4550-8B9D-97DB7C57E22C}" destId="{5D4350C0-EFB2-43C8-9219-A22CCE04ADC5}" srcOrd="0" destOrd="0" parTransId="{B07A59BD-0AC5-48DE-974C-6EF30B6B99C5}" sibTransId="{7BDE1937-B2FA-457D-94FB-C4B90301A8B4}"/>
-    <dgm:cxn modelId="{83D1E4E7-A52A-4A85-8AF5-E3AE632D9E45}" type="presOf" srcId="{B1C1FE0D-EE1D-444A-80F6-6C2628118094}" destId="{B9449A42-E7F2-48F9-BA57-01A92BCC444E}" srcOrd="0" destOrd="1" presId="urn:microsoft.com/office/officeart/2005/8/layout/StepDownProcess"/>
+    <dgm:cxn modelId="{DEE10F2E-A174-4670-9E1D-B5372D28FEC6}" type="presOf" srcId="{4CE1D594-9534-4A8B-8F0F-9BE99CBFFD30}" destId="{B9449A42-E7F2-48F9-BA57-01A92BCC444E}" srcOrd="0" destOrd="0" presId="urn:microsoft.com/office/officeart/2005/8/layout/StepDownProcess"/>
+    <dgm:cxn modelId="{E284E5EB-2B7D-4753-988F-6321983D8CCF}" type="presOf" srcId="{2F5BC045-0229-4AC9-BBF8-B8AB45A21D78}" destId="{C695EB1D-A1F6-413E-B67A-9498F24AF74E}" srcOrd="0" destOrd="0" presId="urn:microsoft.com/office/officeart/2005/8/layout/StepDownProcess"/>
+    <dgm:cxn modelId="{772E954F-8341-4EDC-96A3-0FACDCBBA65E}" srcId="{A3320975-793C-47D2-95F3-68E077E714FD}" destId="{4CE1D594-9534-4A8B-8F0F-9BE99CBFFD30}" srcOrd="0" destOrd="0" parTransId="{24A60710-953D-4879-AD61-86EB0A8D499E}" sibTransId="{FB92A791-3F34-4075-980E-7F38E27B20B9}"/>
+    <dgm:cxn modelId="{8B61AC7F-FFF7-4B56-B18C-A15A7B7BDE7C}" type="presOf" srcId="{5D4350C0-EFB2-43C8-9219-A22CCE04ADC5}" destId="{B5D6CEC3-1353-4DCA-BFFA-ACDDDD018C21}" srcOrd="0" destOrd="0" presId="urn:microsoft.com/office/officeart/2005/8/layout/StepDownProcess"/>
+    <dgm:cxn modelId="{5875BC92-F5E7-40CB-B7FA-46F6AABCCB57}" srcId="{A3320975-793C-47D2-95F3-68E077E714FD}" destId="{A04B7EE7-8112-4AFE-9E55-160F40FCA234}" srcOrd="2" destOrd="0" parTransId="{727C3665-C4B4-490C-9EDA-303680D709F1}" sibTransId="{12D08188-3DC4-4C10-9015-E3EBB2F9EF2F}"/>
+    <dgm:cxn modelId="{405B8781-F050-4514-8C2B-A9F2EE3793CE}" srcId="{2F5BC045-0229-4AC9-BBF8-B8AB45A21D78}" destId="{F4082455-6F93-49D7-BDB8-A5C0630B737E}" srcOrd="2" destOrd="0" parTransId="{FDAF72B8-2F69-4199-A46D-47830FC52254}" sibTransId="{83387DA3-AA81-4E9F-85C8-24908AFF7DE3}"/>
+    <dgm:cxn modelId="{18D8F65C-CAE8-40E9-99B3-E33A70A42A4A}" type="presOf" srcId="{2B7C463B-4913-4550-8B9D-97DB7C57E22C}" destId="{CAAC1550-9C6F-4655-814C-1534682030D4}" srcOrd="0" destOrd="0" presId="urn:microsoft.com/office/officeart/2005/8/layout/StepDownProcess"/>
+    <dgm:cxn modelId="{94987891-C545-403D-B16C-3192B063A9E0}" type="presOf" srcId="{F4082455-6F93-49D7-BDB8-A5C0630B737E}" destId="{3FBCB1B0-3C36-47CD-9A2D-6FCA977EB9D9}" srcOrd="0" destOrd="0" presId="urn:microsoft.com/office/officeart/2005/8/layout/StepDownProcess"/>
+    <dgm:cxn modelId="{735833AB-AFFB-4810-8617-59625CBE2AB6}" srcId="{A3320975-793C-47D2-95F3-68E077E714FD}" destId="{B1C1FE0D-EE1D-444A-80F6-6C2628118094}" srcOrd="1" destOrd="0" parTransId="{088F1FAE-AF98-4BBE-9AFB-3533996D1953}" sibTransId="{903BF7EC-4568-48B5-8F3E-94F34E58C3DE}"/>
+    <dgm:cxn modelId="{C6397467-922E-43F9-8D59-89544EABE27D}" type="presOf" srcId="{A3320975-793C-47D2-95F3-68E077E714FD}" destId="{96E216DE-45A8-4B5F-82CA-0A08A2324D6C}" srcOrd="0" destOrd="0" presId="urn:microsoft.com/office/officeart/2005/8/layout/StepDownProcess"/>
+    <dgm:cxn modelId="{D64A454C-D310-4C2D-9909-350AF06DA9D9}" srcId="{F4082455-6F93-49D7-BDB8-A5C0630B737E}" destId="{7137226E-ADB7-4475-A2E2-3C6EE893FA9F}" srcOrd="0" destOrd="0" parTransId="{C06D951C-A0A5-486E-8D24-524C7B50B6E7}" sibTransId="{BFB12CF2-AE72-4FD4-BCB0-03AFD5B642EC}"/>
     <dgm:cxn modelId="{C38D1A2C-0C84-4D8E-9167-EFF4D1D2233B}" srcId="{2F5BC045-0229-4AC9-BBF8-B8AB45A21D78}" destId="{2B7C463B-4913-4550-8B9D-97DB7C57E22C}" srcOrd="1" destOrd="0" parTransId="{9D43835F-D8BD-475E-B1F4-78AE31BC5306}" sibTransId="{21559D27-DF67-45DA-942C-B79EEA393A0F}"/>
     <dgm:cxn modelId="{71607589-FB00-4B9C-B881-18A7E7FEC8CE}" type="presOf" srcId="{A04B7EE7-8112-4AFE-9E55-160F40FCA234}" destId="{B9449A42-E7F2-48F9-BA57-01A92BCC444E}" srcOrd="0" destOrd="2" presId="urn:microsoft.com/office/officeart/2005/8/layout/StepDownProcess"/>
-    <dgm:cxn modelId="{94987891-C545-403D-B16C-3192B063A9E0}" type="presOf" srcId="{F4082455-6F93-49D7-BDB8-A5C0630B737E}" destId="{3FBCB1B0-3C36-47CD-9A2D-6FCA977EB9D9}" srcOrd="0" destOrd="0" presId="urn:microsoft.com/office/officeart/2005/8/layout/StepDownProcess"/>
-    <dgm:cxn modelId="{D64A454C-D310-4C2D-9909-350AF06DA9D9}" srcId="{F4082455-6F93-49D7-BDB8-A5C0630B737E}" destId="{7137226E-ADB7-4475-A2E2-3C6EE893FA9F}" srcOrd="0" destOrd="0" parTransId="{C06D951C-A0A5-486E-8D24-524C7B50B6E7}" sibTransId="{BFB12CF2-AE72-4FD4-BCB0-03AFD5B642EC}"/>
-    <dgm:cxn modelId="{772E954F-8341-4EDC-96A3-0FACDCBBA65E}" srcId="{A3320975-793C-47D2-95F3-68E077E714FD}" destId="{4CE1D594-9534-4A8B-8F0F-9BE99CBFFD30}" srcOrd="0" destOrd="0" parTransId="{24A60710-953D-4879-AD61-86EB0A8D499E}" sibTransId="{FB92A791-3F34-4075-980E-7F38E27B20B9}"/>
-    <dgm:cxn modelId="{18D8F65C-CAE8-40E9-99B3-E33A70A42A4A}" type="presOf" srcId="{2B7C463B-4913-4550-8B9D-97DB7C57E22C}" destId="{CAAC1550-9C6F-4655-814C-1534682030D4}" srcOrd="0" destOrd="0" presId="urn:microsoft.com/office/officeart/2005/8/layout/StepDownProcess"/>
+    <dgm:cxn modelId="{83D1E4E7-A52A-4A85-8AF5-E3AE632D9E45}" type="presOf" srcId="{B1C1FE0D-EE1D-444A-80F6-6C2628118094}" destId="{B9449A42-E7F2-48F9-BA57-01A92BCC444E}" srcOrd="0" destOrd="1" presId="urn:microsoft.com/office/officeart/2005/8/layout/StepDownProcess"/>
     <dgm:cxn modelId="{4530C3BB-79C1-49A0-928F-B10DD063E01F}" type="presOf" srcId="{7137226E-ADB7-4475-A2E2-3C6EE893FA9F}" destId="{039B8A12-B183-40F0-A1C0-4BE802AB4DA0}" srcOrd="0" destOrd="0" presId="urn:microsoft.com/office/officeart/2005/8/layout/StepDownProcess"/>
+    <dgm:cxn modelId="{83A7D16C-1C42-42A1-8AD8-32275FB814CA}" srcId="{2B7C463B-4913-4550-8B9D-97DB7C57E22C}" destId="{5D4350C0-EFB2-43C8-9219-A22CCE04ADC5}" srcOrd="0" destOrd="0" parTransId="{B07A59BD-0AC5-48DE-974C-6EF30B6B99C5}" sibTransId="{7BDE1937-B2FA-457D-94FB-C4B90301A8B4}"/>
     <dgm:cxn modelId="{D341F61A-A149-41EE-8470-23CC0AA44EB8}" srcId="{2F5BC045-0229-4AC9-BBF8-B8AB45A21D78}" destId="{A3320975-793C-47D2-95F3-68E077E714FD}" srcOrd="0" destOrd="0" parTransId="{342EEB7E-84AB-4CC2-813D-F123E79B6372}" sibTransId="{DBAE0B1D-2639-446E-82DA-6373A1DFDB66}"/>
-    <dgm:cxn modelId="{8B61AC7F-FFF7-4B56-B18C-A15A7B7BDE7C}" type="presOf" srcId="{5D4350C0-EFB2-43C8-9219-A22CCE04ADC5}" destId="{B5D6CEC3-1353-4DCA-BFFA-ACDDDD018C21}" srcOrd="0" destOrd="0" presId="urn:microsoft.com/office/officeart/2005/8/layout/StepDownProcess"/>
-    <dgm:cxn modelId="{DEE10F2E-A174-4670-9E1D-B5372D28FEC6}" type="presOf" srcId="{4CE1D594-9534-4A8B-8F0F-9BE99CBFFD30}" destId="{B9449A42-E7F2-48F9-BA57-01A92BCC444E}" srcOrd="0" destOrd="0" presId="urn:microsoft.com/office/officeart/2005/8/layout/StepDownProcess"/>
-    <dgm:cxn modelId="{C6397467-922E-43F9-8D59-89544EABE27D}" type="presOf" srcId="{A3320975-793C-47D2-95F3-68E077E714FD}" destId="{96E216DE-45A8-4B5F-82CA-0A08A2324D6C}" srcOrd="0" destOrd="0" presId="urn:microsoft.com/office/officeart/2005/8/layout/StepDownProcess"/>
-    <dgm:cxn modelId="{5875BC92-F5E7-40CB-B7FA-46F6AABCCB57}" srcId="{A3320975-793C-47D2-95F3-68E077E714FD}" destId="{A04B7EE7-8112-4AFE-9E55-160F40FCA234}" srcOrd="2" destOrd="0" parTransId="{727C3665-C4B4-490C-9EDA-303680D709F1}" sibTransId="{12D08188-3DC4-4C10-9015-E3EBB2F9EF2F}"/>
-    <dgm:cxn modelId="{E284E5EB-2B7D-4753-988F-6321983D8CCF}" type="presOf" srcId="{2F5BC045-0229-4AC9-BBF8-B8AB45A21D78}" destId="{C695EB1D-A1F6-413E-B67A-9498F24AF74E}" srcOrd="0" destOrd="0" presId="urn:microsoft.com/office/officeart/2005/8/layout/StepDownProcess"/>
-    <dgm:cxn modelId="{735833AB-AFFB-4810-8617-59625CBE2AB6}" srcId="{A3320975-793C-47D2-95F3-68E077E714FD}" destId="{B1C1FE0D-EE1D-444A-80F6-6C2628118094}" srcOrd="1" destOrd="0" parTransId="{088F1FAE-AF98-4BBE-9AFB-3533996D1953}" sibTransId="{903BF7EC-4568-48B5-8F3E-94F34E58C3DE}"/>
-    <dgm:cxn modelId="{405B8781-F050-4514-8C2B-A9F2EE3793CE}" srcId="{2F5BC045-0229-4AC9-BBF8-B8AB45A21D78}" destId="{F4082455-6F93-49D7-BDB8-A5C0630B737E}" srcOrd="2" destOrd="0" parTransId="{FDAF72B8-2F69-4199-A46D-47830FC52254}" sibTransId="{83387DA3-AA81-4E9F-85C8-24908AFF7DE3}"/>
     <dgm:cxn modelId="{4F014C8D-1661-43C8-9437-65E4F52A8C16}" type="presParOf" srcId="{C695EB1D-A1F6-413E-B67A-9498F24AF74E}" destId="{D87A9921-1440-4663-A3F9-68B760C4B851}" srcOrd="0" destOrd="0" presId="urn:microsoft.com/office/officeart/2005/8/layout/StepDownProcess"/>
     <dgm:cxn modelId="{4D7A055E-A468-477B-BB95-B4A163CEE051}" type="presParOf" srcId="{D87A9921-1440-4663-A3F9-68B760C4B851}" destId="{F70A6318-AA1C-496A-BD5B-494BD335EF6B}" srcOrd="0" destOrd="0" presId="urn:microsoft.com/office/officeart/2005/8/layout/StepDownProcess"/>
     <dgm:cxn modelId="{4C677078-1908-4750-9329-262F2DDC2CD2}" type="presParOf" srcId="{D87A9921-1440-4663-A3F9-68B760C4B851}" destId="{96E216DE-45A8-4B5F-82CA-0A08A2324D6C}" srcOrd="1" destOrd="0" presId="urn:microsoft.com/office/officeart/2005/8/layout/StepDownProcess"/>
@@ -3273,14 +3304,38 @@
         </dgm:presLayoutVars>
       </dgm:prSet>
       <dgm:spPr/>
+      <dgm:t>
+        <a:bodyPr/>
+        <a:lstStyle/>
+        <a:p>
+          <a:pPr latinLnBrk="1"/>
+          <a:endParaRPr lang="ko-KR" altLang="en-US"/>
+        </a:p>
+      </dgm:t>
     </dgm:pt>
     <dgm:pt modelId="{ECF322B3-3C09-4F3F-94CB-76495A1487B6}" type="pres">
       <dgm:prSet presAssocID="{F2CE69A2-2619-4917-BA36-64AEFAE309D8}" presName="sibTrans" presStyleLbl="sibTrans2D1" presStyleIdx="0" presStyleCnt="3"/>
       <dgm:spPr/>
+      <dgm:t>
+        <a:bodyPr/>
+        <a:lstStyle/>
+        <a:p>
+          <a:pPr latinLnBrk="1"/>
+          <a:endParaRPr lang="ko-KR" altLang="en-US"/>
+        </a:p>
+      </dgm:t>
     </dgm:pt>
     <dgm:pt modelId="{91944146-8625-447F-A0D3-DDF2B39D848E}" type="pres">
       <dgm:prSet presAssocID="{F2CE69A2-2619-4917-BA36-64AEFAE309D8}" presName="connectorText" presStyleLbl="sibTrans2D1" presStyleIdx="0" presStyleCnt="3"/>
       <dgm:spPr/>
+      <dgm:t>
+        <a:bodyPr/>
+        <a:lstStyle/>
+        <a:p>
+          <a:pPr latinLnBrk="1"/>
+          <a:endParaRPr lang="ko-KR" altLang="en-US"/>
+        </a:p>
+      </dgm:t>
     </dgm:pt>
     <dgm:pt modelId="{8DADF4BD-F94F-446F-974E-C25A54E9D6A0}" type="pres">
       <dgm:prSet presAssocID="{A43F6888-2770-4ACA-9891-462979C9D315}" presName="node" presStyleLbl="node1" presStyleIdx="1" presStyleCnt="4">
@@ -3301,10 +3356,26 @@
     <dgm:pt modelId="{840495C8-6F5A-4710-9EF9-E39138675FDA}" type="pres">
       <dgm:prSet presAssocID="{87FBC5E3-98B1-4DBD-85E0-E36CB78DD5CF}" presName="sibTrans" presStyleLbl="sibTrans2D1" presStyleIdx="1" presStyleCnt="3"/>
       <dgm:spPr/>
+      <dgm:t>
+        <a:bodyPr/>
+        <a:lstStyle/>
+        <a:p>
+          <a:pPr latinLnBrk="1"/>
+          <a:endParaRPr lang="ko-KR" altLang="en-US"/>
+        </a:p>
+      </dgm:t>
     </dgm:pt>
     <dgm:pt modelId="{9F6AB429-3819-47B7-A9EC-86FA8850BB63}" type="pres">
       <dgm:prSet presAssocID="{87FBC5E3-98B1-4DBD-85E0-E36CB78DD5CF}" presName="connectorText" presStyleLbl="sibTrans2D1" presStyleIdx="1" presStyleCnt="3"/>
       <dgm:spPr/>
+      <dgm:t>
+        <a:bodyPr/>
+        <a:lstStyle/>
+        <a:p>
+          <a:pPr latinLnBrk="1"/>
+          <a:endParaRPr lang="ko-KR" altLang="en-US"/>
+        </a:p>
+      </dgm:t>
     </dgm:pt>
     <dgm:pt modelId="{8F5AAFAA-4635-47A5-9CDC-29B8F63E6D82}" type="pres">
       <dgm:prSet presAssocID="{79CC6F07-AE13-4350-893A-67418AA6D82F}" presName="node" presStyleLbl="node1" presStyleIdx="2" presStyleCnt="4">
@@ -3313,14 +3384,38 @@
         </dgm:presLayoutVars>
       </dgm:prSet>
       <dgm:spPr/>
+      <dgm:t>
+        <a:bodyPr/>
+        <a:lstStyle/>
+        <a:p>
+          <a:pPr latinLnBrk="1"/>
+          <a:endParaRPr lang="ko-KR" altLang="en-US"/>
+        </a:p>
+      </dgm:t>
     </dgm:pt>
     <dgm:pt modelId="{F46F8B91-1831-4BF8-BF12-FAE782355B11}" type="pres">
       <dgm:prSet presAssocID="{9DBC7422-9B59-4B95-80B3-9BDAEC12158E}" presName="sibTrans" presStyleLbl="sibTrans2D1" presStyleIdx="2" presStyleCnt="3"/>
       <dgm:spPr/>
+      <dgm:t>
+        <a:bodyPr/>
+        <a:lstStyle/>
+        <a:p>
+          <a:pPr latinLnBrk="1"/>
+          <a:endParaRPr lang="ko-KR" altLang="en-US"/>
+        </a:p>
+      </dgm:t>
     </dgm:pt>
     <dgm:pt modelId="{0DBB7558-EBF6-41FE-9304-148045B8A0AE}" type="pres">
       <dgm:prSet presAssocID="{9DBC7422-9B59-4B95-80B3-9BDAEC12158E}" presName="connectorText" presStyleLbl="sibTrans2D1" presStyleIdx="2" presStyleCnt="3"/>
       <dgm:spPr/>
+      <dgm:t>
+        <a:bodyPr/>
+        <a:lstStyle/>
+        <a:p>
+          <a:pPr latinLnBrk="1"/>
+          <a:endParaRPr lang="ko-KR" altLang="en-US"/>
+        </a:p>
+      </dgm:t>
     </dgm:pt>
     <dgm:pt modelId="{42463126-2992-4F74-B7A8-0E9DBA341066}" type="pres">
       <dgm:prSet presAssocID="{014A0590-5DA9-4A49-AB11-804DBB165E8F}" presName="node" presStyleLbl="node1" presStyleIdx="3" presStyleCnt="4">
@@ -3329,6 +3424,14 @@
         </dgm:presLayoutVars>
       </dgm:prSet>
       <dgm:spPr/>
+      <dgm:t>
+        <a:bodyPr/>
+        <a:lstStyle/>
+        <a:p>
+          <a:pPr latinLnBrk="1"/>
+          <a:endParaRPr lang="ko-KR" altLang="en-US"/>
+        </a:p>
+      </dgm:t>
     </dgm:pt>
   </dgm:ptLst>
   <dgm:cxnLst>
@@ -3684,10 +3787,26 @@
     <dgm:pt modelId="{92BAFB59-53F8-4740-ADA6-C183E3548AA5}" type="pres">
       <dgm:prSet presAssocID="{7196728E-2EA6-4DF6-A876-80F63C382295}" presName="sibTrans" presStyleLbl="sibTrans2D1" presStyleIdx="0" presStyleCnt="4"/>
       <dgm:spPr/>
+      <dgm:t>
+        <a:bodyPr/>
+        <a:lstStyle/>
+        <a:p>
+          <a:pPr latinLnBrk="1"/>
+          <a:endParaRPr lang="ko-KR" altLang="en-US"/>
+        </a:p>
+      </dgm:t>
     </dgm:pt>
     <dgm:pt modelId="{3270A2BD-633B-4FC8-9F3E-A83EE63502B7}" type="pres">
       <dgm:prSet presAssocID="{7196728E-2EA6-4DF6-A876-80F63C382295}" presName="connectorText" presStyleLbl="sibTrans2D1" presStyleIdx="0" presStyleCnt="4"/>
       <dgm:spPr/>
+      <dgm:t>
+        <a:bodyPr/>
+        <a:lstStyle/>
+        <a:p>
+          <a:pPr latinLnBrk="1"/>
+          <a:endParaRPr lang="ko-KR" altLang="en-US"/>
+        </a:p>
+      </dgm:t>
     </dgm:pt>
     <dgm:pt modelId="{371E10CC-8B25-44D1-872E-3BAA34BE511F}" type="pres">
       <dgm:prSet presAssocID="{4988706C-B120-4A98-96FC-C0EBA2178C07}" presName="node" presStyleLbl="node1" presStyleIdx="1" presStyleCnt="5">
@@ -3696,14 +3815,38 @@
         </dgm:presLayoutVars>
       </dgm:prSet>
       <dgm:spPr/>
+      <dgm:t>
+        <a:bodyPr/>
+        <a:lstStyle/>
+        <a:p>
+          <a:pPr latinLnBrk="1"/>
+          <a:endParaRPr lang="ko-KR" altLang="en-US"/>
+        </a:p>
+      </dgm:t>
     </dgm:pt>
     <dgm:pt modelId="{00AE075E-BEA4-4C8A-B0F3-979F2A225845}" type="pres">
       <dgm:prSet presAssocID="{5CB22B4C-63DD-4614-889C-44F4358F9DE8}" presName="sibTrans" presStyleLbl="sibTrans2D1" presStyleIdx="1" presStyleCnt="4"/>
       <dgm:spPr/>
+      <dgm:t>
+        <a:bodyPr/>
+        <a:lstStyle/>
+        <a:p>
+          <a:pPr latinLnBrk="1"/>
+          <a:endParaRPr lang="ko-KR" altLang="en-US"/>
+        </a:p>
+      </dgm:t>
     </dgm:pt>
     <dgm:pt modelId="{C2C919F8-453C-416D-B81E-CC0361BD7C1D}" type="pres">
       <dgm:prSet presAssocID="{5CB22B4C-63DD-4614-889C-44F4358F9DE8}" presName="connectorText" presStyleLbl="sibTrans2D1" presStyleIdx="1" presStyleCnt="4"/>
       <dgm:spPr/>
+      <dgm:t>
+        <a:bodyPr/>
+        <a:lstStyle/>
+        <a:p>
+          <a:pPr latinLnBrk="1"/>
+          <a:endParaRPr lang="ko-KR" altLang="en-US"/>
+        </a:p>
+      </dgm:t>
     </dgm:pt>
     <dgm:pt modelId="{7B5D3A7A-1010-409B-B889-47196AC00DB4}" type="pres">
       <dgm:prSet presAssocID="{908DD3B2-FCDE-41C9-A327-7870ACC666F1}" presName="node" presStyleLbl="node1" presStyleIdx="2" presStyleCnt="5">
@@ -3712,14 +3855,38 @@
         </dgm:presLayoutVars>
       </dgm:prSet>
       <dgm:spPr/>
+      <dgm:t>
+        <a:bodyPr/>
+        <a:lstStyle/>
+        <a:p>
+          <a:pPr latinLnBrk="1"/>
+          <a:endParaRPr lang="ko-KR" altLang="en-US"/>
+        </a:p>
+      </dgm:t>
     </dgm:pt>
     <dgm:pt modelId="{F844703D-EB71-414E-9082-7443D26700D5}" type="pres">
       <dgm:prSet presAssocID="{124AA202-D1FE-46C6-8DC5-B38B39D945D6}" presName="sibTrans" presStyleLbl="sibTrans2D1" presStyleIdx="2" presStyleCnt="4"/>
       <dgm:spPr/>
+      <dgm:t>
+        <a:bodyPr/>
+        <a:lstStyle/>
+        <a:p>
+          <a:pPr latinLnBrk="1"/>
+          <a:endParaRPr lang="ko-KR" altLang="en-US"/>
+        </a:p>
+      </dgm:t>
     </dgm:pt>
     <dgm:pt modelId="{DF4FF2E8-09B0-4AED-839D-4669BA574CE9}" type="pres">
       <dgm:prSet presAssocID="{124AA202-D1FE-46C6-8DC5-B38B39D945D6}" presName="connectorText" presStyleLbl="sibTrans2D1" presStyleIdx="2" presStyleCnt="4"/>
       <dgm:spPr/>
+      <dgm:t>
+        <a:bodyPr/>
+        <a:lstStyle/>
+        <a:p>
+          <a:pPr latinLnBrk="1"/>
+          <a:endParaRPr lang="ko-KR" altLang="en-US"/>
+        </a:p>
+      </dgm:t>
     </dgm:pt>
     <dgm:pt modelId="{B2B2151B-F100-4C36-8D63-390219E3BE42}" type="pres">
       <dgm:prSet presAssocID="{CC6D1646-AB38-4C2E-88B9-3A5A53F622A7}" presName="node" presStyleLbl="node1" presStyleIdx="3" presStyleCnt="5">
@@ -3740,10 +3907,26 @@
     <dgm:pt modelId="{66D65191-A919-4B01-B3A4-304E92B5144A}" type="pres">
       <dgm:prSet presAssocID="{C75F8374-778F-4465-B151-2E2F774684A3}" presName="sibTrans" presStyleLbl="sibTrans2D1" presStyleIdx="3" presStyleCnt="4"/>
       <dgm:spPr/>
+      <dgm:t>
+        <a:bodyPr/>
+        <a:lstStyle/>
+        <a:p>
+          <a:pPr latinLnBrk="1"/>
+          <a:endParaRPr lang="ko-KR" altLang="en-US"/>
+        </a:p>
+      </dgm:t>
     </dgm:pt>
     <dgm:pt modelId="{D5BAE32B-593A-413E-914E-C9758DB92D9A}" type="pres">
       <dgm:prSet presAssocID="{C75F8374-778F-4465-B151-2E2F774684A3}" presName="connectorText" presStyleLbl="sibTrans2D1" presStyleIdx="3" presStyleCnt="4"/>
       <dgm:spPr/>
+      <dgm:t>
+        <a:bodyPr/>
+        <a:lstStyle/>
+        <a:p>
+          <a:pPr latinLnBrk="1"/>
+          <a:endParaRPr lang="ko-KR" altLang="en-US"/>
+        </a:p>
+      </dgm:t>
     </dgm:pt>
     <dgm:pt modelId="{5C21FB3F-E3F4-452A-9E2E-C161E4608CB9}" type="pres">
       <dgm:prSet presAssocID="{00EF8979-5775-4921-8DB5-23BCF652371D}" presName="node" presStyleLbl="node1" presStyleIdx="4" presStyleCnt="5">
@@ -3752,6 +3935,14 @@
         </dgm:presLayoutVars>
       </dgm:prSet>
       <dgm:spPr/>
+      <dgm:t>
+        <a:bodyPr/>
+        <a:lstStyle/>
+        <a:p>
+          <a:pPr latinLnBrk="1"/>
+          <a:endParaRPr lang="ko-KR" altLang="en-US"/>
+        </a:p>
+      </dgm:t>
     </dgm:pt>
   </dgm:ptLst>
   <dgm:cxnLst>
@@ -3759,8 +3950,8 @@
     <dgm:cxn modelId="{50F79452-EB47-4EE6-B550-EA33B1C62344}" srcId="{0A8D7EC6-E220-4B63-B142-E3720C16EF6E}" destId="{CC6D1646-AB38-4C2E-88B9-3A5A53F622A7}" srcOrd="3" destOrd="0" parTransId="{32B495B1-1A49-4094-8478-98A915560D41}" sibTransId="{C75F8374-778F-4465-B151-2E2F774684A3}"/>
     <dgm:cxn modelId="{FDEBAF6D-5F42-4C49-9E90-CB8567C1486F}" type="presOf" srcId="{124AA202-D1FE-46C6-8DC5-B38B39D945D6}" destId="{F844703D-EB71-414E-9082-7443D26700D5}" srcOrd="0" destOrd="0" presId="urn:microsoft.com/office/officeart/2005/8/layout/process1"/>
     <dgm:cxn modelId="{C3AC278E-EA7B-44C5-BF69-41E6C13068CB}" type="presOf" srcId="{908DD3B2-FCDE-41C9-A327-7870ACC666F1}" destId="{7B5D3A7A-1010-409B-B889-47196AC00DB4}" srcOrd="0" destOrd="0" presId="urn:microsoft.com/office/officeart/2005/8/layout/process1"/>
+    <dgm:cxn modelId="{CB85BFC3-4578-4A2B-B8EE-AC9F2238316B}" type="presOf" srcId="{7196728E-2EA6-4DF6-A876-80F63C382295}" destId="{92BAFB59-53F8-4740-ADA6-C183E3548AA5}" srcOrd="0" destOrd="0" presId="urn:microsoft.com/office/officeart/2005/8/layout/process1"/>
     <dgm:cxn modelId="{49BD443D-E7FD-4920-A7F3-3B93FC33B66A}" srcId="{0A8D7EC6-E220-4B63-B142-E3720C16EF6E}" destId="{4988706C-B120-4A98-96FC-C0EBA2178C07}" srcOrd="1" destOrd="0" parTransId="{42C21A33-BC79-4ABA-B558-B7C86221A847}" sibTransId="{5CB22B4C-63DD-4614-889C-44F4358F9DE8}"/>
-    <dgm:cxn modelId="{CB85BFC3-4578-4A2B-B8EE-AC9F2238316B}" type="presOf" srcId="{7196728E-2EA6-4DF6-A876-80F63C382295}" destId="{92BAFB59-53F8-4740-ADA6-C183E3548AA5}" srcOrd="0" destOrd="0" presId="urn:microsoft.com/office/officeart/2005/8/layout/process1"/>
     <dgm:cxn modelId="{1DC37908-46DA-4A0A-B297-896AADDA9DAF}" srcId="{0A8D7EC6-E220-4B63-B142-E3720C16EF6E}" destId="{8581197B-7596-4DED-A308-E7F854704D1A}" srcOrd="0" destOrd="0" parTransId="{D164608A-06CC-479E-9494-3D9513D86290}" sibTransId="{7196728E-2EA6-4DF6-A876-80F63C382295}"/>
     <dgm:cxn modelId="{9D3D11F3-A7E0-47AB-AD8F-145484F4688A}" type="presOf" srcId="{CC6D1646-AB38-4C2E-88B9-3A5A53F622A7}" destId="{B2B2151B-F100-4C36-8D63-390219E3BE42}" srcOrd="0" destOrd="0" presId="urn:microsoft.com/office/officeart/2005/8/layout/process1"/>
     <dgm:cxn modelId="{85228AEB-CE1D-431F-A05F-77FBB73B2777}" type="presOf" srcId="{5CB22B4C-63DD-4614-889C-44F4358F9DE8}" destId="{C2C919F8-453C-416D-B81E-CC0361BD7C1D}" srcOrd="1" destOrd="0" presId="urn:microsoft.com/office/officeart/2005/8/layout/process1"/>
@@ -12764,14 +12955,7 @@
                 <a:latin typeface="HY강B" pitchFamily="18" charset="-127"/>
                 <a:ea typeface="HY강B" pitchFamily="18" charset="-127"/>
               </a:rPr>
-              <a:t>Text </a:t>
-            </a:r>
-            <a:r>
-              <a:rPr lang="en-US" altLang="ko-KR" sz="5400" dirty="0" smtClean="0">
-                <a:latin typeface="HY강B" pitchFamily="18" charset="-127"/>
-                <a:ea typeface="HY강B" pitchFamily="18" charset="-127"/>
-              </a:rPr>
-              <a:t>data</a:t>
+              <a:t>Text data</a:t>
             </a:r>
             <a:r>
               <a:rPr lang="ko-KR" altLang="en-US" sz="5400" dirty="0" smtClean="0">
@@ -13533,6 +13717,983 @@
             <p:ph type="ctrTitle"/>
           </p:nvPr>
         </p:nvSpPr>
+        <p:spPr>
+          <a:xfrm>
+            <a:off x="685800" y="609601"/>
+            <a:ext cx="7772400" cy="3035423"/>
+          </a:xfrm>
+        </p:spPr>
+        <p:txBody>
+          <a:bodyPr/>
+          <a:lstStyle/>
+          <a:p>
+            <a:r>
+              <a:rPr lang="ko-KR" altLang="en-US" sz="5400" dirty="0" smtClean="0">
+                <a:latin typeface="HY강B" pitchFamily="18" charset="-127"/>
+                <a:ea typeface="HY강B" pitchFamily="18" charset="-127"/>
+              </a:rPr>
+              <a:t>분봉 주식 데이터 수집</a:t>
+            </a:r>
+            <a:endParaRPr lang="ko-KR" altLang="en-US" sz="5400" dirty="0">
+              <a:latin typeface="HY강B" pitchFamily="18" charset="-127"/>
+              <a:ea typeface="HY강B" pitchFamily="18" charset="-127"/>
+            </a:endParaRPr>
+          </a:p>
+        </p:txBody>
+      </p:sp>
+      <p:sp>
+        <p:nvSpPr>
+          <p:cNvPr id="3" name="부제목 2"/>
+          <p:cNvSpPr>
+            <a:spLocks noGrp="1"/>
+          </p:cNvSpPr>
+          <p:nvPr>
+            <p:ph type="subTitle" idx="1"/>
+          </p:nvPr>
+        </p:nvSpPr>
+        <p:spPr/>
+        <p:txBody>
+          <a:bodyPr/>
+          <a:lstStyle/>
+          <a:p>
+            <a:r>
+              <a:rPr lang="en-US" altLang="ko-KR" dirty="0" smtClean="0"/>
+              <a:t>2018.05.16</a:t>
+            </a:r>
+            <a:endParaRPr lang="ko-KR" altLang="en-US" dirty="0"/>
+          </a:p>
+        </p:txBody>
+      </p:sp>
+    </p:spTree>
+    <p:extLst>
+      <p:ext uri="{BB962C8B-B14F-4D97-AF65-F5344CB8AC3E}">
+        <p14:creationId xmlns:p14="http://schemas.microsoft.com/office/powerpoint/2010/main" val="2977983671"/>
+      </p:ext>
+    </p:extLst>
+  </p:cSld>
+  <p:clrMapOvr>
+    <a:masterClrMapping/>
+  </p:clrMapOvr>
+</p:sld>
+</file>
+
+<file path=ppt/slides/slide15.xml><?xml version="1.0" encoding="utf-8"?>
+<p:sld xmlns:a="http://schemas.openxmlformats.org/drawingml/2006/main" xmlns:r="http://schemas.openxmlformats.org/officeDocument/2006/relationships" xmlns:p="http://schemas.openxmlformats.org/presentationml/2006/main">
+  <p:cSld>
+    <p:spTree>
+      <p:nvGrpSpPr>
+        <p:cNvPr id="1" name=""/>
+        <p:cNvGrpSpPr/>
+        <p:nvPr/>
+      </p:nvGrpSpPr>
+      <p:grpSpPr>
+        <a:xfrm>
+          <a:off x="0" y="0"/>
+          <a:ext cx="0" cy="0"/>
+          <a:chOff x="0" y="0"/>
+          <a:chExt cx="0" cy="0"/>
+        </a:xfrm>
+      </p:grpSpPr>
+      <p:sp>
+        <p:nvSpPr>
+          <p:cNvPr id="2" name="제목 1"/>
+          <p:cNvSpPr>
+            <a:spLocks noGrp="1"/>
+          </p:cNvSpPr>
+          <p:nvPr>
+            <p:ph type="title"/>
+          </p:nvPr>
+        </p:nvSpPr>
+        <p:spPr/>
+        <p:txBody>
+          <a:bodyPr/>
+          <a:lstStyle/>
+          <a:p>
+            <a:r>
+              <a:rPr lang="ko-KR" altLang="en-US" dirty="0" err="1" smtClean="0"/>
+              <a:t>키움증권</a:t>
+            </a:r>
+            <a:r>
+              <a:rPr lang="ko-KR" altLang="en-US" dirty="0" smtClean="0"/>
+              <a:t> </a:t>
+            </a:r>
+            <a:r>
+              <a:rPr lang="en-US" altLang="ko-KR" dirty="0" smtClean="0"/>
+              <a:t>API</a:t>
+            </a:r>
+            <a:endParaRPr lang="ko-KR" altLang="en-US" dirty="0"/>
+          </a:p>
+        </p:txBody>
+      </p:sp>
+      <p:pic>
+        <p:nvPicPr>
+          <p:cNvPr id="4" name="내용 개체 틀 3"/>
+          <p:cNvPicPr>
+            <a:picLocks noGrp="1" noChangeAspect="1"/>
+          </p:cNvPicPr>
+          <p:nvPr>
+            <p:ph idx="1"/>
+          </p:nvPr>
+        </p:nvPicPr>
+        <p:blipFill>
+          <a:blip r:embed="rId2"/>
+          <a:stretch>
+            <a:fillRect/>
+          </a:stretch>
+        </p:blipFill>
+        <p:spPr>
+          <a:xfrm>
+            <a:off x="2158731" y="1600200"/>
+            <a:ext cx="4826537" cy="4525963"/>
+          </a:xfrm>
+          <a:prstGeom prst="rect">
+            <a:avLst/>
+          </a:prstGeom>
+        </p:spPr>
+      </p:pic>
+    </p:spTree>
+    <p:extLst>
+      <p:ext uri="{BB962C8B-B14F-4D97-AF65-F5344CB8AC3E}">
+        <p14:creationId xmlns:p14="http://schemas.microsoft.com/office/powerpoint/2010/main" val="1913195542"/>
+      </p:ext>
+    </p:extLst>
+  </p:cSld>
+  <p:clrMapOvr>
+    <a:masterClrMapping/>
+  </p:clrMapOvr>
+</p:sld>
+</file>
+
+<file path=ppt/slides/slide16.xml><?xml version="1.0" encoding="utf-8"?>
+<p:sld xmlns:a="http://schemas.openxmlformats.org/drawingml/2006/main" xmlns:r="http://schemas.openxmlformats.org/officeDocument/2006/relationships" xmlns:p="http://schemas.openxmlformats.org/presentationml/2006/main">
+  <p:cSld>
+    <p:spTree>
+      <p:nvGrpSpPr>
+        <p:cNvPr id="1" name=""/>
+        <p:cNvGrpSpPr/>
+        <p:nvPr/>
+      </p:nvGrpSpPr>
+      <p:grpSpPr>
+        <a:xfrm>
+          <a:off x="0" y="0"/>
+          <a:ext cx="0" cy="0"/>
+          <a:chOff x="0" y="0"/>
+          <a:chExt cx="0" cy="0"/>
+        </a:xfrm>
+      </p:grpSpPr>
+      <p:sp>
+        <p:nvSpPr>
+          <p:cNvPr id="2" name="제목 1"/>
+          <p:cNvSpPr>
+            <a:spLocks noGrp="1"/>
+          </p:cNvSpPr>
+          <p:nvPr>
+            <p:ph type="title"/>
+          </p:nvPr>
+        </p:nvSpPr>
+        <p:spPr/>
+        <p:txBody>
+          <a:bodyPr/>
+          <a:lstStyle/>
+          <a:p>
+            <a:r>
+              <a:rPr lang="ko-KR" altLang="en-US" dirty="0" err="1" smtClean="0"/>
+              <a:t>종목코드</a:t>
+            </a:r>
+            <a:r>
+              <a:rPr lang="ko-KR" altLang="en-US" dirty="0" smtClean="0"/>
+              <a:t> 수집 </a:t>
+            </a:r>
+            <a:endParaRPr lang="ko-KR" altLang="en-US" dirty="0"/>
+          </a:p>
+        </p:txBody>
+      </p:sp>
+      <p:sp>
+        <p:nvSpPr>
+          <p:cNvPr id="4" name="Rectangle 2"/>
+          <p:cNvSpPr>
+            <a:spLocks noChangeArrowheads="1"/>
+          </p:cNvSpPr>
+          <p:nvPr/>
+        </p:nvSpPr>
+        <p:spPr bwMode="auto">
+          <a:xfrm>
+            <a:off x="0" y="0"/>
+            <a:ext cx="9144000" cy="457200"/>
+          </a:xfrm>
+          <a:prstGeom prst="rect">
+            <a:avLst/>
+          </a:prstGeom>
+          <a:solidFill>
+            <a:srgbClr val="FFFFFF"/>
+          </a:solidFill>
+          <a:ln>
+            <a:noFill/>
+          </a:ln>
+          <a:effectLst/>
+          <a:extLst>
+            <a:ext uri="{91240B29-F687-4F45-9708-019B960494DF}">
+              <a14:hiddenLine xmlns:a14="http://schemas.microsoft.com/office/drawing/2010/main" w="9525">
+                <a:solidFill>
+                  <a:schemeClr val="tx1"/>
+                </a:solidFill>
+                <a:miter lim="800000"/>
+                <a:headEnd/>
+                <a:tailEnd/>
+              </a14:hiddenLine>
+            </a:ext>
+            <a:ext uri="{AF507438-7753-43E0-B8FC-AC1667EBCBE1}">
+              <a14:hiddenEffects xmlns:a14="http://schemas.microsoft.com/office/drawing/2010/main">
+                <a:effectLst>
+                  <a:outerShdw dist="35921" dir="2700000" algn="ctr" rotWithShape="0">
+                    <a:schemeClr val="bg2"/>
+                  </a:outerShdw>
+                </a:effectLst>
+              </a14:hiddenEffects>
+            </a:ext>
+          </a:extLst>
+        </p:spPr>
+        <p:txBody>
+          <a:bodyPr vert="horz" wrap="none" lIns="91440" tIns="45720" rIns="91440" bIns="45720" numCol="1" anchor="ctr" anchorCtr="0" compatLnSpc="1">
+            <a:prstTxWarp prst="textNoShape">
+              <a:avLst/>
+            </a:prstTxWarp>
+            <a:spAutoFit/>
+          </a:bodyPr>
+          <a:lstStyle/>
+          <a:p>
+            <a:endParaRPr lang="ko-KR" altLang="en-US"/>
+          </a:p>
+        </p:txBody>
+      </p:sp>
+      <p:pic>
+        <p:nvPicPr>
+          <p:cNvPr id="3073" name="_x392197712" descr="EMB000008f00b90"/>
+          <p:cNvPicPr>
+            <a:picLocks noChangeAspect="1" noChangeArrowheads="1"/>
+          </p:cNvPicPr>
+          <p:nvPr/>
+        </p:nvPicPr>
+        <p:blipFill>
+          <a:blip r:embed="rId2">
+            <a:extLst>
+              <a:ext uri="{28A0092B-C50C-407E-A947-70E740481C1C}">
+                <a14:useLocalDpi xmlns:a14="http://schemas.microsoft.com/office/drawing/2010/main" val="0"/>
+              </a:ext>
+            </a:extLst>
+          </a:blip>
+          <a:srcRect/>
+          <a:stretch>
+            <a:fillRect/>
+          </a:stretch>
+        </p:blipFill>
+        <p:spPr bwMode="auto">
+          <a:xfrm>
+            <a:off x="1835696" y="1594520"/>
+            <a:ext cx="5400675" cy="4876800"/>
+          </a:xfrm>
+          <a:prstGeom prst="rect">
+            <a:avLst/>
+          </a:prstGeom>
+          <a:noFill/>
+          <a:extLst>
+            <a:ext uri="{909E8E84-426E-40DD-AFC4-6F175D3DCCD1}">
+              <a14:hiddenFill xmlns:a14="http://schemas.microsoft.com/office/drawing/2010/main">
+                <a:solidFill>
+                  <a:srgbClr val="FFFFFF"/>
+                </a:solidFill>
+              </a14:hiddenFill>
+            </a:ext>
+          </a:extLst>
+        </p:spPr>
+      </p:pic>
+    </p:spTree>
+    <p:extLst>
+      <p:ext uri="{BB962C8B-B14F-4D97-AF65-F5344CB8AC3E}">
+        <p14:creationId xmlns:p14="http://schemas.microsoft.com/office/powerpoint/2010/main" val="2557970911"/>
+      </p:ext>
+    </p:extLst>
+  </p:cSld>
+  <p:clrMapOvr>
+    <a:masterClrMapping/>
+  </p:clrMapOvr>
+</p:sld>
+</file>
+
+<file path=ppt/slides/slide17.xml><?xml version="1.0" encoding="utf-8"?>
+<p:sld xmlns:a="http://schemas.openxmlformats.org/drawingml/2006/main" xmlns:r="http://schemas.openxmlformats.org/officeDocument/2006/relationships" xmlns:p="http://schemas.openxmlformats.org/presentationml/2006/main">
+  <p:cSld>
+    <p:spTree>
+      <p:nvGrpSpPr>
+        <p:cNvPr id="1" name=""/>
+        <p:cNvGrpSpPr/>
+        <p:nvPr/>
+      </p:nvGrpSpPr>
+      <p:grpSpPr>
+        <a:xfrm>
+          <a:off x="0" y="0"/>
+          <a:ext cx="0" cy="0"/>
+          <a:chOff x="0" y="0"/>
+          <a:chExt cx="0" cy="0"/>
+        </a:xfrm>
+      </p:grpSpPr>
+      <p:sp>
+        <p:nvSpPr>
+          <p:cNvPr id="2" name="제목 1"/>
+          <p:cNvSpPr>
+            <a:spLocks noGrp="1"/>
+          </p:cNvSpPr>
+          <p:nvPr>
+            <p:ph type="title"/>
+          </p:nvPr>
+        </p:nvSpPr>
+        <p:spPr/>
+        <p:txBody>
+          <a:bodyPr/>
+          <a:lstStyle/>
+          <a:p>
+            <a:r>
+              <a:rPr lang="ko-KR" altLang="en-US" sz="4400" dirty="0" smtClean="0"/>
+              <a:t>원하는 종목의 분봉 데이터 수집</a:t>
+            </a:r>
+            <a:r>
+              <a:rPr lang="en-US" altLang="ko-KR" sz="4400" dirty="0" smtClean="0"/>
+              <a:t/>
+            </a:r>
+            <a:br>
+              <a:rPr lang="en-US" altLang="ko-KR" sz="4400" dirty="0" smtClean="0"/>
+            </a:br>
+            <a:r>
+              <a:rPr lang="en-US" altLang="ko-KR" sz="2000" dirty="0" smtClean="0"/>
+              <a:t>ex)233740 = </a:t>
+            </a:r>
+            <a:r>
+              <a:rPr lang="en-US" altLang="ko-KR" sz="2000" b="1" dirty="0">
+                <a:effectLst/>
+              </a:rPr>
+              <a:t>KODEX </a:t>
+            </a:r>
+            <a:r>
+              <a:rPr lang="ko-KR" altLang="en-US" sz="2000" b="1" dirty="0">
+                <a:effectLst/>
+              </a:rPr>
+              <a:t>코스닥</a:t>
+            </a:r>
+            <a:r>
+              <a:rPr lang="en-US" altLang="ko-KR" sz="2000" b="1" dirty="0">
+                <a:effectLst/>
+              </a:rPr>
+              <a:t>150 </a:t>
+            </a:r>
+            <a:r>
+              <a:rPr lang="ko-KR" altLang="en-US" sz="2000" b="1" dirty="0" err="1" smtClean="0">
+                <a:effectLst/>
+              </a:rPr>
+              <a:t>레버리지</a:t>
+            </a:r>
+            <a:endParaRPr lang="ko-KR" altLang="en-US" sz="4400" dirty="0"/>
+          </a:p>
+        </p:txBody>
+      </p:sp>
+      <p:sp>
+        <p:nvSpPr>
+          <p:cNvPr id="4" name="Rectangle 2"/>
+          <p:cNvSpPr>
+            <a:spLocks noChangeArrowheads="1"/>
+          </p:cNvSpPr>
+          <p:nvPr/>
+        </p:nvSpPr>
+        <p:spPr bwMode="auto">
+          <a:xfrm>
+            <a:off x="0" y="0"/>
+            <a:ext cx="9144000" cy="457200"/>
+          </a:xfrm>
+          <a:prstGeom prst="rect">
+            <a:avLst/>
+          </a:prstGeom>
+          <a:noFill/>
+          <a:ln>
+            <a:noFill/>
+          </a:ln>
+          <a:effectLst/>
+          <a:extLst>
+            <a:ext uri="{909E8E84-426E-40DD-AFC4-6F175D3DCCD1}">
+              <a14:hiddenFill xmlns:a14="http://schemas.microsoft.com/office/drawing/2010/main">
+                <a:solidFill>
+                  <a:schemeClr val="accent1"/>
+                </a:solidFill>
+              </a14:hiddenFill>
+            </a:ext>
+            <a:ext uri="{91240B29-F687-4F45-9708-019B960494DF}">
+              <a14:hiddenLine xmlns:a14="http://schemas.microsoft.com/office/drawing/2010/main" w="9525">
+                <a:solidFill>
+                  <a:schemeClr val="tx1"/>
+                </a:solidFill>
+                <a:miter lim="800000"/>
+                <a:headEnd/>
+                <a:tailEnd/>
+              </a14:hiddenLine>
+            </a:ext>
+            <a:ext uri="{AF507438-7753-43E0-B8FC-AC1667EBCBE1}">
+              <a14:hiddenEffects xmlns:a14="http://schemas.microsoft.com/office/drawing/2010/main">
+                <a:effectLst>
+                  <a:outerShdw dist="35921" dir="2700000" algn="ctr" rotWithShape="0">
+                    <a:schemeClr val="bg2"/>
+                  </a:outerShdw>
+                </a:effectLst>
+              </a14:hiddenEffects>
+            </a:ext>
+          </a:extLst>
+        </p:spPr>
+        <p:txBody>
+          <a:bodyPr vert="horz" wrap="none" lIns="91440" tIns="45720" rIns="91440" bIns="45720" numCol="1" anchor="ctr" anchorCtr="0" compatLnSpc="1">
+            <a:prstTxWarp prst="textNoShape">
+              <a:avLst/>
+            </a:prstTxWarp>
+            <a:spAutoFit/>
+          </a:bodyPr>
+          <a:lstStyle/>
+          <a:p>
+            <a:endParaRPr lang="ko-KR" altLang="en-US"/>
+          </a:p>
+        </p:txBody>
+      </p:sp>
+      <p:pic>
+        <p:nvPicPr>
+          <p:cNvPr id="5" name="그림 4"/>
+          <p:cNvPicPr>
+            <a:picLocks noChangeAspect="1"/>
+          </p:cNvPicPr>
+          <p:nvPr/>
+        </p:nvPicPr>
+        <p:blipFill>
+          <a:blip r:embed="rId2"/>
+          <a:stretch>
+            <a:fillRect/>
+          </a:stretch>
+        </p:blipFill>
+        <p:spPr>
+          <a:xfrm>
+            <a:off x="2339752" y="1611106"/>
+            <a:ext cx="4032448" cy="4994116"/>
+          </a:xfrm>
+          <a:prstGeom prst="rect">
+            <a:avLst/>
+          </a:prstGeom>
+        </p:spPr>
+      </p:pic>
+    </p:spTree>
+    <p:extLst>
+      <p:ext uri="{BB962C8B-B14F-4D97-AF65-F5344CB8AC3E}">
+        <p14:creationId xmlns:p14="http://schemas.microsoft.com/office/powerpoint/2010/main" val="3801489803"/>
+      </p:ext>
+    </p:extLst>
+  </p:cSld>
+  <p:clrMapOvr>
+    <a:masterClrMapping/>
+  </p:clrMapOvr>
+</p:sld>
+</file>
+
+<file path=ppt/slides/slide18.xml><?xml version="1.0" encoding="utf-8"?>
+<p:sld xmlns:a="http://schemas.openxmlformats.org/drawingml/2006/main" xmlns:r="http://schemas.openxmlformats.org/officeDocument/2006/relationships" xmlns:p="http://schemas.openxmlformats.org/presentationml/2006/main">
+  <p:cSld>
+    <p:spTree>
+      <p:nvGrpSpPr>
+        <p:cNvPr id="1" name=""/>
+        <p:cNvGrpSpPr/>
+        <p:nvPr/>
+      </p:nvGrpSpPr>
+      <p:grpSpPr>
+        <a:xfrm>
+          <a:off x="0" y="0"/>
+          <a:ext cx="0" cy="0"/>
+          <a:chOff x="0" y="0"/>
+          <a:chExt cx="0" cy="0"/>
+        </a:xfrm>
+      </p:grpSpPr>
+      <p:sp>
+        <p:nvSpPr>
+          <p:cNvPr id="2" name="제목 1"/>
+          <p:cNvSpPr>
+            <a:spLocks noGrp="1"/>
+          </p:cNvSpPr>
+          <p:nvPr>
+            <p:ph type="title"/>
+          </p:nvPr>
+        </p:nvSpPr>
+        <p:spPr/>
+        <p:txBody>
+          <a:bodyPr/>
+          <a:lstStyle/>
+          <a:p>
+            <a:r>
+              <a:rPr lang="en-US" altLang="ko-KR" dirty="0" err="1" smtClean="0"/>
+              <a:t>DataBase</a:t>
+            </a:r>
+            <a:r>
+              <a:rPr lang="ko-KR" altLang="en-US" dirty="0" smtClean="0"/>
+              <a:t>형태로 저장</a:t>
+            </a:r>
+            <a:endParaRPr lang="ko-KR" altLang="en-US" dirty="0"/>
+          </a:p>
+        </p:txBody>
+      </p:sp>
+      <p:pic>
+        <p:nvPicPr>
+          <p:cNvPr id="4" name="그림 3"/>
+          <p:cNvPicPr>
+            <a:picLocks noChangeAspect="1"/>
+          </p:cNvPicPr>
+          <p:nvPr/>
+        </p:nvPicPr>
+        <p:blipFill>
+          <a:blip r:embed="rId2"/>
+          <a:stretch>
+            <a:fillRect/>
+          </a:stretch>
+        </p:blipFill>
+        <p:spPr>
+          <a:xfrm>
+            <a:off x="2318686" y="1844824"/>
+            <a:ext cx="4506628" cy="2742605"/>
+          </a:xfrm>
+          <a:prstGeom prst="rect">
+            <a:avLst/>
+          </a:prstGeom>
+        </p:spPr>
+      </p:pic>
+    </p:spTree>
+    <p:extLst>
+      <p:ext uri="{BB962C8B-B14F-4D97-AF65-F5344CB8AC3E}">
+        <p14:creationId xmlns:p14="http://schemas.microsoft.com/office/powerpoint/2010/main" val="1618678242"/>
+      </p:ext>
+    </p:extLst>
+  </p:cSld>
+  <p:clrMapOvr>
+    <a:masterClrMapping/>
+  </p:clrMapOvr>
+</p:sld>
+</file>
+
+<file path=ppt/slides/slide19.xml><?xml version="1.0" encoding="utf-8"?>
+<p:sld xmlns:a="http://schemas.openxmlformats.org/drawingml/2006/main" xmlns:r="http://schemas.openxmlformats.org/officeDocument/2006/relationships" xmlns:p="http://schemas.openxmlformats.org/presentationml/2006/main">
+  <p:cSld>
+    <p:spTree>
+      <p:nvGrpSpPr>
+        <p:cNvPr id="1" name=""/>
+        <p:cNvGrpSpPr/>
+        <p:nvPr/>
+      </p:nvGrpSpPr>
+      <p:grpSpPr>
+        <a:xfrm>
+          <a:off x="0" y="0"/>
+          <a:ext cx="0" cy="0"/>
+          <a:chOff x="0" y="0"/>
+          <a:chExt cx="0" cy="0"/>
+        </a:xfrm>
+      </p:grpSpPr>
+      <p:sp>
+        <p:nvSpPr>
+          <p:cNvPr id="2" name="제목 1"/>
+          <p:cNvSpPr>
+            <a:spLocks noGrp="1"/>
+          </p:cNvSpPr>
+          <p:nvPr>
+            <p:ph type="title"/>
+          </p:nvPr>
+        </p:nvSpPr>
+        <p:spPr/>
+        <p:txBody>
+          <a:bodyPr/>
+          <a:lstStyle/>
+          <a:p>
+            <a:r>
+              <a:rPr lang="en-US" altLang="ko-KR" sz="4800" dirty="0" smtClean="0"/>
+              <a:t>DB Browser for SQLite </a:t>
+            </a:r>
+            <a:r>
+              <a:rPr lang="ko-KR" altLang="en-US" sz="4800" dirty="0" smtClean="0"/>
+              <a:t>설치</a:t>
+            </a:r>
+            <a:endParaRPr lang="ko-KR" altLang="en-US" sz="4800" dirty="0"/>
+          </a:p>
+        </p:txBody>
+      </p:sp>
+      <p:pic>
+        <p:nvPicPr>
+          <p:cNvPr id="4" name="그림 3"/>
+          <p:cNvPicPr>
+            <a:picLocks noChangeAspect="1"/>
+          </p:cNvPicPr>
+          <p:nvPr/>
+        </p:nvPicPr>
+        <p:blipFill>
+          <a:blip r:embed="rId2"/>
+          <a:stretch>
+            <a:fillRect/>
+          </a:stretch>
+        </p:blipFill>
+        <p:spPr>
+          <a:xfrm>
+            <a:off x="1187624" y="2132856"/>
+            <a:ext cx="6494190" cy="3208969"/>
+          </a:xfrm>
+          <a:prstGeom prst="rect">
+            <a:avLst/>
+          </a:prstGeom>
+        </p:spPr>
+      </p:pic>
+    </p:spTree>
+    <p:extLst>
+      <p:ext uri="{BB962C8B-B14F-4D97-AF65-F5344CB8AC3E}">
+        <p14:creationId xmlns:p14="http://schemas.microsoft.com/office/powerpoint/2010/main" val="2441913199"/>
+      </p:ext>
+    </p:extLst>
+  </p:cSld>
+  <p:clrMapOvr>
+    <a:masterClrMapping/>
+  </p:clrMapOvr>
+</p:sld>
+</file>
+
+<file path=ppt/slides/slide2.xml><?xml version="1.0" encoding="utf-8"?>
+<p:sld xmlns:a="http://schemas.openxmlformats.org/drawingml/2006/main" xmlns:r="http://schemas.openxmlformats.org/officeDocument/2006/relationships" xmlns:p="http://schemas.openxmlformats.org/presentationml/2006/main">
+  <p:cSld>
+    <p:spTree>
+      <p:nvGrpSpPr>
+        <p:cNvPr id="1" name=""/>
+        <p:cNvGrpSpPr/>
+        <p:nvPr/>
+      </p:nvGrpSpPr>
+      <p:grpSpPr>
+        <a:xfrm>
+          <a:off x="0" y="0"/>
+          <a:ext cx="0" cy="0"/>
+          <a:chOff x="0" y="0"/>
+          <a:chExt cx="0" cy="0"/>
+        </a:xfrm>
+      </p:grpSpPr>
+      <p:sp>
+        <p:nvSpPr>
+          <p:cNvPr id="2" name="제목 1"/>
+          <p:cNvSpPr>
+            <a:spLocks noGrp="1"/>
+          </p:cNvSpPr>
+          <p:nvPr>
+            <p:ph type="title"/>
+          </p:nvPr>
+        </p:nvSpPr>
+        <p:spPr/>
+        <p:txBody>
+          <a:bodyPr/>
+          <a:lstStyle/>
+          <a:p>
+            <a:r>
+              <a:rPr lang="ko-KR" altLang="en-US" sz="4400" dirty="0" err="1" smtClean="0">
+                <a:latin typeface="HY강B" pitchFamily="18" charset="-127"/>
+                <a:ea typeface="HY강B" pitchFamily="18" charset="-127"/>
+              </a:rPr>
+              <a:t>한경신문</a:t>
+            </a:r>
+            <a:r>
+              <a:rPr lang="ko-KR" altLang="en-US" sz="4400" dirty="0" smtClean="0">
+                <a:latin typeface="HY강B" pitchFamily="18" charset="-127"/>
+                <a:ea typeface="HY강B" pitchFamily="18" charset="-127"/>
+              </a:rPr>
+              <a:t> </a:t>
+            </a:r>
+            <a:r>
+              <a:rPr lang="en-US" altLang="ko-KR" sz="4400" dirty="0" smtClean="0">
+                <a:latin typeface="HY강B" pitchFamily="18" charset="-127"/>
+                <a:ea typeface="HY강B" pitchFamily="18" charset="-127"/>
+              </a:rPr>
+              <a:t>/ </a:t>
+            </a:r>
+            <a:r>
+              <a:rPr lang="ko-KR" altLang="en-US" sz="4400" dirty="0" err="1" smtClean="0">
+                <a:latin typeface="HY강B" pitchFamily="18" charset="-127"/>
+                <a:ea typeface="HY강B" pitchFamily="18" charset="-127"/>
+              </a:rPr>
+              <a:t>네이버</a:t>
+            </a:r>
+            <a:endParaRPr lang="ko-KR" altLang="en-US" sz="4400" dirty="0">
+              <a:latin typeface="HY강B" pitchFamily="18" charset="-127"/>
+              <a:ea typeface="HY강B" pitchFamily="18" charset="-127"/>
+            </a:endParaRPr>
+          </a:p>
+        </p:txBody>
+      </p:sp>
+      <p:pic>
+        <p:nvPicPr>
+          <p:cNvPr id="6" name="내용 개체 틀 5"/>
+          <p:cNvPicPr>
+            <a:picLocks noGrp="1" noChangeAspect="1"/>
+          </p:cNvPicPr>
+          <p:nvPr>
+            <p:ph sz="half" idx="2"/>
+          </p:nvPr>
+        </p:nvPicPr>
+        <p:blipFill>
+          <a:blip r:embed="rId2">
+            <a:extLst>
+              <a:ext uri="{28A0092B-C50C-407E-A947-70E740481C1C}">
+                <a14:useLocalDpi xmlns:a14="http://schemas.microsoft.com/office/drawing/2010/main" val="0"/>
+              </a:ext>
+            </a:extLst>
+          </a:blip>
+          <a:stretch>
+            <a:fillRect/>
+          </a:stretch>
+        </p:blipFill>
+        <p:spPr>
+          <a:xfrm>
+            <a:off x="4644008" y="2204864"/>
+            <a:ext cx="4294525" cy="3240360"/>
+          </a:xfrm>
+        </p:spPr>
+      </p:pic>
+      <p:pic>
+        <p:nvPicPr>
+          <p:cNvPr id="5" name="내용 개체 틀 4"/>
+          <p:cNvPicPr>
+            <a:picLocks noGrp="1" noChangeAspect="1"/>
+          </p:cNvPicPr>
+          <p:nvPr>
+            <p:ph sz="quarter" idx="13"/>
+          </p:nvPr>
+        </p:nvPicPr>
+        <p:blipFill>
+          <a:blip r:embed="rId3">
+            <a:extLst>
+              <a:ext uri="{28A0092B-C50C-407E-A947-70E740481C1C}">
+                <a14:useLocalDpi xmlns:a14="http://schemas.microsoft.com/office/drawing/2010/main" val="0"/>
+              </a:ext>
+            </a:extLst>
+          </a:blip>
+          <a:stretch>
+            <a:fillRect/>
+          </a:stretch>
+        </p:blipFill>
+        <p:spPr>
+          <a:xfrm>
+            <a:off x="107504" y="2204864"/>
+            <a:ext cx="4500176" cy="3456384"/>
+          </a:xfrm>
+        </p:spPr>
+      </p:pic>
+    </p:spTree>
+    <p:extLst>
+      <p:ext uri="{BB962C8B-B14F-4D97-AF65-F5344CB8AC3E}">
+        <p14:creationId xmlns:p14="http://schemas.microsoft.com/office/powerpoint/2010/main" val="2055577734"/>
+      </p:ext>
+    </p:extLst>
+  </p:cSld>
+  <p:clrMapOvr>
+    <a:masterClrMapping/>
+  </p:clrMapOvr>
+  <p:timing>
+    <p:tnLst>
+      <p:par>
+        <p:cTn id="1" dur="indefinite" restart="never" nodeType="tmRoot"/>
+      </p:par>
+    </p:tnLst>
+  </p:timing>
+</p:sld>
+</file>
+
+<file path=ppt/slides/slide20.xml><?xml version="1.0" encoding="utf-8"?>
+<p:sld xmlns:a="http://schemas.openxmlformats.org/drawingml/2006/main" xmlns:r="http://schemas.openxmlformats.org/officeDocument/2006/relationships" xmlns:p="http://schemas.openxmlformats.org/presentationml/2006/main">
+  <p:cSld>
+    <p:spTree>
+      <p:nvGrpSpPr>
+        <p:cNvPr id="1" name=""/>
+        <p:cNvGrpSpPr/>
+        <p:nvPr/>
+      </p:nvGrpSpPr>
+      <p:grpSpPr>
+        <a:xfrm>
+          <a:off x="0" y="0"/>
+          <a:ext cx="0" cy="0"/>
+          <a:chOff x="0" y="0"/>
+          <a:chExt cx="0" cy="0"/>
+        </a:xfrm>
+      </p:grpSpPr>
+      <p:sp>
+        <p:nvSpPr>
+          <p:cNvPr id="2" name="제목 1"/>
+          <p:cNvSpPr>
+            <a:spLocks noGrp="1"/>
+          </p:cNvSpPr>
+          <p:nvPr>
+            <p:ph type="title"/>
+          </p:nvPr>
+        </p:nvSpPr>
+        <p:spPr/>
+        <p:txBody>
+          <a:bodyPr/>
+          <a:lstStyle/>
+          <a:p>
+            <a:r>
+              <a:rPr lang="ko-KR" altLang="en-US" sz="4800" dirty="0" smtClean="0"/>
+              <a:t>저장한 </a:t>
+            </a:r>
+            <a:r>
+              <a:rPr lang="en-US" altLang="ko-KR" sz="4800" dirty="0" smtClean="0"/>
+              <a:t>DB</a:t>
+            </a:r>
+            <a:r>
+              <a:rPr lang="ko-KR" altLang="en-US" sz="4800" dirty="0" smtClean="0"/>
+              <a:t>파일 데이터 확인</a:t>
+            </a:r>
+            <a:endParaRPr lang="ko-KR" altLang="en-US" sz="4800" dirty="0"/>
+          </a:p>
+        </p:txBody>
+      </p:sp>
+      <p:sp>
+        <p:nvSpPr>
+          <p:cNvPr id="6" name="Rectangle 2"/>
+          <p:cNvSpPr>
+            <a:spLocks noChangeArrowheads="1"/>
+          </p:cNvSpPr>
+          <p:nvPr/>
+        </p:nvSpPr>
+        <p:spPr bwMode="auto">
+          <a:xfrm>
+            <a:off x="2699792" y="1459632"/>
+            <a:ext cx="9144000" cy="457200"/>
+          </a:xfrm>
+          <a:prstGeom prst="rect">
+            <a:avLst/>
+          </a:prstGeom>
+          <a:noFill/>
+          <a:ln>
+            <a:noFill/>
+          </a:ln>
+          <a:effectLst/>
+          <a:extLst>
+            <a:ext uri="{909E8E84-426E-40DD-AFC4-6F175D3DCCD1}">
+              <a14:hiddenFill xmlns:a14="http://schemas.microsoft.com/office/drawing/2010/main">
+                <a:solidFill>
+                  <a:schemeClr val="accent1"/>
+                </a:solidFill>
+              </a14:hiddenFill>
+            </a:ext>
+            <a:ext uri="{91240B29-F687-4F45-9708-019B960494DF}">
+              <a14:hiddenLine xmlns:a14="http://schemas.microsoft.com/office/drawing/2010/main" w="9525">
+                <a:solidFill>
+                  <a:schemeClr val="tx1"/>
+                </a:solidFill>
+                <a:miter lim="800000"/>
+                <a:headEnd/>
+                <a:tailEnd/>
+              </a14:hiddenLine>
+            </a:ext>
+            <a:ext uri="{AF507438-7753-43E0-B8FC-AC1667EBCBE1}">
+              <a14:hiddenEffects xmlns:a14="http://schemas.microsoft.com/office/drawing/2010/main">
+                <a:effectLst>
+                  <a:outerShdw dist="35921" dir="2700000" algn="ctr" rotWithShape="0">
+                    <a:schemeClr val="bg2"/>
+                  </a:outerShdw>
+                </a:effectLst>
+              </a14:hiddenEffects>
+            </a:ext>
+          </a:extLst>
+        </p:spPr>
+        <p:txBody>
+          <a:bodyPr vert="horz" wrap="none" lIns="91440" tIns="45720" rIns="91440" bIns="45720" numCol="1" anchor="ctr" anchorCtr="0" compatLnSpc="1">
+            <a:prstTxWarp prst="textNoShape">
+              <a:avLst/>
+            </a:prstTxWarp>
+            <a:spAutoFit/>
+          </a:bodyPr>
+          <a:lstStyle/>
+          <a:p>
+            <a:endParaRPr lang="ko-KR" altLang="en-US"/>
+          </a:p>
+        </p:txBody>
+      </p:sp>
+      <p:pic>
+        <p:nvPicPr>
+          <p:cNvPr id="2049" name="_x50054048" descr="EMB000008f00b88"/>
+          <p:cNvPicPr>
+            <a:picLocks noChangeAspect="1" noChangeArrowheads="1"/>
+          </p:cNvPicPr>
+          <p:nvPr/>
+        </p:nvPicPr>
+        <p:blipFill>
+          <a:blip r:embed="rId2">
+            <a:extLst>
+              <a:ext uri="{28A0092B-C50C-407E-A947-70E740481C1C}">
+                <a14:useLocalDpi xmlns:a14="http://schemas.microsoft.com/office/drawing/2010/main" val="0"/>
+              </a:ext>
+            </a:extLst>
+          </a:blip>
+          <a:srcRect/>
+          <a:stretch>
+            <a:fillRect/>
+          </a:stretch>
+        </p:blipFill>
+        <p:spPr bwMode="auto">
+          <a:xfrm>
+            <a:off x="1763688" y="1600200"/>
+            <a:ext cx="5400675" cy="4838700"/>
+          </a:xfrm>
+          <a:prstGeom prst="rect">
+            <a:avLst/>
+          </a:prstGeom>
+          <a:noFill/>
+          <a:extLst>
+            <a:ext uri="{909E8E84-426E-40DD-AFC4-6F175D3DCCD1}">
+              <a14:hiddenFill xmlns:a14="http://schemas.microsoft.com/office/drawing/2010/main">
+                <a:solidFill>
+                  <a:srgbClr val="FFFFFF"/>
+                </a:solidFill>
+              </a14:hiddenFill>
+            </a:ext>
+          </a:extLst>
+        </p:spPr>
+      </p:pic>
+    </p:spTree>
+    <p:extLst>
+      <p:ext uri="{BB962C8B-B14F-4D97-AF65-F5344CB8AC3E}">
+        <p14:creationId xmlns:p14="http://schemas.microsoft.com/office/powerpoint/2010/main" val="2709826005"/>
+      </p:ext>
+    </p:extLst>
+  </p:cSld>
+  <p:clrMapOvr>
+    <a:masterClrMapping/>
+  </p:clrMapOvr>
+</p:sld>
+</file>
+
+<file path=ppt/slides/slide21.xml><?xml version="1.0" encoding="utf-8"?>
+<p:sld xmlns:a="http://schemas.openxmlformats.org/drawingml/2006/main" xmlns:r="http://schemas.openxmlformats.org/officeDocument/2006/relationships" xmlns:p="http://schemas.openxmlformats.org/presentationml/2006/main">
+  <p:cSld>
+    <p:spTree>
+      <p:nvGrpSpPr>
+        <p:cNvPr id="1" name=""/>
+        <p:cNvGrpSpPr/>
+        <p:nvPr/>
+      </p:nvGrpSpPr>
+      <p:grpSpPr>
+        <a:xfrm>
+          <a:off x="0" y="0"/>
+          <a:ext cx="0" cy="0"/>
+          <a:chOff x="0" y="0"/>
+          <a:chExt cx="0" cy="0"/>
+        </a:xfrm>
+      </p:grpSpPr>
+      <p:sp>
+        <p:nvSpPr>
+          <p:cNvPr id="2" name="제목 1"/>
+          <p:cNvSpPr>
+            <a:spLocks noGrp="1"/>
+          </p:cNvSpPr>
+          <p:nvPr>
+            <p:ph type="ctrTitle"/>
+          </p:nvPr>
+        </p:nvSpPr>
         <p:spPr/>
         <p:txBody>
           <a:bodyPr/>
@@ -13578,7 +14739,7 @@
 </p:sld>
 </file>
 
-<file path=ppt/slides/slide15.xml><?xml version="1.0" encoding="utf-8"?>
+<file path=ppt/slides/slide22.xml><?xml version="1.0" encoding="utf-8"?>
 <p:sld xmlns:a="http://schemas.openxmlformats.org/drawingml/2006/main" xmlns:r="http://schemas.openxmlformats.org/officeDocument/2006/relationships" xmlns:p="http://schemas.openxmlformats.org/presentationml/2006/main">
   <p:cSld>
     <p:spTree>
@@ -14023,7 +15184,7 @@
 </p:sld>
 </file>
 
-<file path=ppt/slides/slide16.xml><?xml version="1.0" encoding="utf-8"?>
+<file path=ppt/slides/slide23.xml><?xml version="1.0" encoding="utf-8"?>
 <p:sld xmlns:a="http://schemas.openxmlformats.org/drawingml/2006/main" xmlns:r="http://schemas.openxmlformats.org/officeDocument/2006/relationships" xmlns:p="http://schemas.openxmlformats.org/presentationml/2006/main">
   <p:cSld>
     <p:spTree>
@@ -16136,151 +17297,6 @@
 </p:sld>
 </file>
 
-<file path=ppt/slides/slide2.xml><?xml version="1.0" encoding="utf-8"?>
-<p:sld xmlns:a="http://schemas.openxmlformats.org/drawingml/2006/main" xmlns:r="http://schemas.openxmlformats.org/officeDocument/2006/relationships" xmlns:p="http://schemas.openxmlformats.org/presentationml/2006/main">
-  <p:cSld>
-    <p:spTree>
-      <p:nvGrpSpPr>
-        <p:cNvPr id="1" name=""/>
-        <p:cNvGrpSpPr/>
-        <p:nvPr/>
-      </p:nvGrpSpPr>
-      <p:grpSpPr>
-        <a:xfrm>
-          <a:off x="0" y="0"/>
-          <a:ext cx="0" cy="0"/>
-          <a:chOff x="0" y="0"/>
-          <a:chExt cx="0" cy="0"/>
-        </a:xfrm>
-      </p:grpSpPr>
-      <p:sp>
-        <p:nvSpPr>
-          <p:cNvPr id="2" name="제목 1"/>
-          <p:cNvSpPr>
-            <a:spLocks noGrp="1"/>
-          </p:cNvSpPr>
-          <p:nvPr>
-            <p:ph type="title"/>
-          </p:nvPr>
-        </p:nvSpPr>
-        <p:spPr/>
-        <p:txBody>
-          <a:bodyPr/>
-          <a:lstStyle/>
-          <a:p>
-            <a:r>
-              <a:rPr lang="ko-KR" altLang="en-US" sz="4400" dirty="0" err="1" smtClean="0">
-                <a:latin typeface="HY강B" pitchFamily="18" charset="-127"/>
-                <a:ea typeface="HY강B" pitchFamily="18" charset="-127"/>
-              </a:rPr>
-              <a:t>한경신문</a:t>
-            </a:r>
-            <a:r>
-              <a:rPr lang="ko-KR" altLang="en-US" sz="4400" dirty="0" smtClean="0">
-                <a:latin typeface="HY강B" pitchFamily="18" charset="-127"/>
-                <a:ea typeface="HY강B" pitchFamily="18" charset="-127"/>
-              </a:rPr>
-              <a:t> </a:t>
-            </a:r>
-            <a:r>
-              <a:rPr lang="en-US" altLang="ko-KR" sz="4400" dirty="0" smtClean="0">
-                <a:latin typeface="HY강B" pitchFamily="18" charset="-127"/>
-                <a:ea typeface="HY강B" pitchFamily="18" charset="-127"/>
-              </a:rPr>
-              <a:t>/ </a:t>
-            </a:r>
-            <a:r>
-              <a:rPr lang="ko-KR" altLang="en-US" sz="4400" dirty="0" err="1" smtClean="0">
-                <a:latin typeface="HY강B" pitchFamily="18" charset="-127"/>
-                <a:ea typeface="HY강B" pitchFamily="18" charset="-127"/>
-              </a:rPr>
-              <a:t>네이버</a:t>
-            </a:r>
-            <a:endParaRPr lang="ko-KR" altLang="en-US" sz="4400" dirty="0">
-              <a:latin typeface="HY강B" pitchFamily="18" charset="-127"/>
-              <a:ea typeface="HY강B" pitchFamily="18" charset="-127"/>
-            </a:endParaRPr>
-          </a:p>
-        </p:txBody>
-      </p:sp>
-      <p:pic>
-        <p:nvPicPr>
-          <p:cNvPr id="6" name="내용 개체 틀 5"/>
-          <p:cNvPicPr>
-            <a:picLocks noGrp="1" noChangeAspect="1"/>
-          </p:cNvPicPr>
-          <p:nvPr>
-            <p:ph sz="half" idx="2"/>
-          </p:nvPr>
-        </p:nvPicPr>
-        <p:blipFill>
-          <a:blip r:embed="rId2">
-            <a:extLst>
-              <a:ext uri="{28A0092B-C50C-407E-A947-70E740481C1C}">
-                <a14:useLocalDpi xmlns:a14="http://schemas.microsoft.com/office/drawing/2010/main" val="0"/>
-              </a:ext>
-            </a:extLst>
-          </a:blip>
-          <a:stretch>
-            <a:fillRect/>
-          </a:stretch>
-        </p:blipFill>
-        <p:spPr>
-          <a:xfrm>
-            <a:off x="4644008" y="2204864"/>
-            <a:ext cx="4294525" cy="3240360"/>
-          </a:xfrm>
-        </p:spPr>
-      </p:pic>
-      <p:pic>
-        <p:nvPicPr>
-          <p:cNvPr id="5" name="내용 개체 틀 4"/>
-          <p:cNvPicPr>
-            <a:picLocks noGrp="1" noChangeAspect="1"/>
-          </p:cNvPicPr>
-          <p:nvPr>
-            <p:ph sz="quarter" idx="13"/>
-          </p:nvPr>
-        </p:nvPicPr>
-        <p:blipFill>
-          <a:blip r:embed="rId3">
-            <a:extLst>
-              <a:ext uri="{28A0092B-C50C-407E-A947-70E740481C1C}">
-                <a14:useLocalDpi xmlns:a14="http://schemas.microsoft.com/office/drawing/2010/main" val="0"/>
-              </a:ext>
-            </a:extLst>
-          </a:blip>
-          <a:stretch>
-            <a:fillRect/>
-          </a:stretch>
-        </p:blipFill>
-        <p:spPr>
-          <a:xfrm>
-            <a:off x="107504" y="2204864"/>
-            <a:ext cx="4500176" cy="3456384"/>
-          </a:xfrm>
-        </p:spPr>
-      </p:pic>
-    </p:spTree>
-    <p:extLst>
-      <p:ext uri="{BB962C8B-B14F-4D97-AF65-F5344CB8AC3E}">
-        <p14:creationId xmlns:p14="http://schemas.microsoft.com/office/powerpoint/2010/main" val="2055577734"/>
-      </p:ext>
-    </p:extLst>
-  </p:cSld>
-  <p:clrMapOvr>
-    <a:masterClrMapping/>
-  </p:clrMapOvr>
-  <p:timing>
-    <p:tnLst>
-      <p:par>
-        <p:cTn id="1" dur="indefinite" restart="never" nodeType="tmRoot"/>
-      </p:par>
-    </p:tnLst>
-  </p:timing>
-</p:sld>
-</file>
-
 <file path=ppt/slides/slide3.xml><?xml version="1.0" encoding="utf-8"?>
 <p:sld xmlns:a="http://schemas.openxmlformats.org/drawingml/2006/main" xmlns:r="http://schemas.openxmlformats.org/officeDocument/2006/relationships" xmlns:p="http://schemas.openxmlformats.org/presentationml/2006/main">
   <p:cSld>

--- a/pptx_folder/빅데이터를 활용한 주식종목 분석_5월 16일.pptx
+++ b/pptx_folder/빅데이터를 활용한 주식종목 분석_5월 16일.pptx
@@ -3001,23 +3001,23 @@
     </dgm:pt>
   </dgm:ptLst>
   <dgm:cxnLst>
-    <dgm:cxn modelId="{DEE10F2E-A174-4670-9E1D-B5372D28FEC6}" type="presOf" srcId="{4CE1D594-9534-4A8B-8F0F-9BE99CBFFD30}" destId="{B9449A42-E7F2-48F9-BA57-01A92BCC444E}" srcOrd="0" destOrd="0" presId="urn:microsoft.com/office/officeart/2005/8/layout/StepDownProcess"/>
-    <dgm:cxn modelId="{E284E5EB-2B7D-4753-988F-6321983D8CCF}" type="presOf" srcId="{2F5BC045-0229-4AC9-BBF8-B8AB45A21D78}" destId="{C695EB1D-A1F6-413E-B67A-9498F24AF74E}" srcOrd="0" destOrd="0" presId="urn:microsoft.com/office/officeart/2005/8/layout/StepDownProcess"/>
-    <dgm:cxn modelId="{772E954F-8341-4EDC-96A3-0FACDCBBA65E}" srcId="{A3320975-793C-47D2-95F3-68E077E714FD}" destId="{4CE1D594-9534-4A8B-8F0F-9BE99CBFFD30}" srcOrd="0" destOrd="0" parTransId="{24A60710-953D-4879-AD61-86EB0A8D499E}" sibTransId="{FB92A791-3F34-4075-980E-7F38E27B20B9}"/>
-    <dgm:cxn modelId="{8B61AC7F-FFF7-4B56-B18C-A15A7B7BDE7C}" type="presOf" srcId="{5D4350C0-EFB2-43C8-9219-A22CCE04ADC5}" destId="{B5D6CEC3-1353-4DCA-BFFA-ACDDDD018C21}" srcOrd="0" destOrd="0" presId="urn:microsoft.com/office/officeart/2005/8/layout/StepDownProcess"/>
-    <dgm:cxn modelId="{5875BC92-F5E7-40CB-B7FA-46F6AABCCB57}" srcId="{A3320975-793C-47D2-95F3-68E077E714FD}" destId="{A04B7EE7-8112-4AFE-9E55-160F40FCA234}" srcOrd="2" destOrd="0" parTransId="{727C3665-C4B4-490C-9EDA-303680D709F1}" sibTransId="{12D08188-3DC4-4C10-9015-E3EBB2F9EF2F}"/>
-    <dgm:cxn modelId="{405B8781-F050-4514-8C2B-A9F2EE3793CE}" srcId="{2F5BC045-0229-4AC9-BBF8-B8AB45A21D78}" destId="{F4082455-6F93-49D7-BDB8-A5C0630B737E}" srcOrd="2" destOrd="0" parTransId="{FDAF72B8-2F69-4199-A46D-47830FC52254}" sibTransId="{83387DA3-AA81-4E9F-85C8-24908AFF7DE3}"/>
-    <dgm:cxn modelId="{18D8F65C-CAE8-40E9-99B3-E33A70A42A4A}" type="presOf" srcId="{2B7C463B-4913-4550-8B9D-97DB7C57E22C}" destId="{CAAC1550-9C6F-4655-814C-1534682030D4}" srcOrd="0" destOrd="0" presId="urn:microsoft.com/office/officeart/2005/8/layout/StepDownProcess"/>
-    <dgm:cxn modelId="{94987891-C545-403D-B16C-3192B063A9E0}" type="presOf" srcId="{F4082455-6F93-49D7-BDB8-A5C0630B737E}" destId="{3FBCB1B0-3C36-47CD-9A2D-6FCA977EB9D9}" srcOrd="0" destOrd="0" presId="urn:microsoft.com/office/officeart/2005/8/layout/StepDownProcess"/>
-    <dgm:cxn modelId="{735833AB-AFFB-4810-8617-59625CBE2AB6}" srcId="{A3320975-793C-47D2-95F3-68E077E714FD}" destId="{B1C1FE0D-EE1D-444A-80F6-6C2628118094}" srcOrd="1" destOrd="0" parTransId="{088F1FAE-AF98-4BBE-9AFB-3533996D1953}" sibTransId="{903BF7EC-4568-48B5-8F3E-94F34E58C3DE}"/>
-    <dgm:cxn modelId="{C6397467-922E-43F9-8D59-89544EABE27D}" type="presOf" srcId="{A3320975-793C-47D2-95F3-68E077E714FD}" destId="{96E216DE-45A8-4B5F-82CA-0A08A2324D6C}" srcOrd="0" destOrd="0" presId="urn:microsoft.com/office/officeart/2005/8/layout/StepDownProcess"/>
-    <dgm:cxn modelId="{D64A454C-D310-4C2D-9909-350AF06DA9D9}" srcId="{F4082455-6F93-49D7-BDB8-A5C0630B737E}" destId="{7137226E-ADB7-4475-A2E2-3C6EE893FA9F}" srcOrd="0" destOrd="0" parTransId="{C06D951C-A0A5-486E-8D24-524C7B50B6E7}" sibTransId="{BFB12CF2-AE72-4FD4-BCB0-03AFD5B642EC}"/>
-    <dgm:cxn modelId="{C38D1A2C-0C84-4D8E-9167-EFF4D1D2233B}" srcId="{2F5BC045-0229-4AC9-BBF8-B8AB45A21D78}" destId="{2B7C463B-4913-4550-8B9D-97DB7C57E22C}" srcOrd="1" destOrd="0" parTransId="{9D43835F-D8BD-475E-B1F4-78AE31BC5306}" sibTransId="{21559D27-DF67-45DA-942C-B79EEA393A0F}"/>
     <dgm:cxn modelId="{71607589-FB00-4B9C-B881-18A7E7FEC8CE}" type="presOf" srcId="{A04B7EE7-8112-4AFE-9E55-160F40FCA234}" destId="{B9449A42-E7F2-48F9-BA57-01A92BCC444E}" srcOrd="0" destOrd="2" presId="urn:microsoft.com/office/officeart/2005/8/layout/StepDownProcess"/>
     <dgm:cxn modelId="{83D1E4E7-A52A-4A85-8AF5-E3AE632D9E45}" type="presOf" srcId="{B1C1FE0D-EE1D-444A-80F6-6C2628118094}" destId="{B9449A42-E7F2-48F9-BA57-01A92BCC444E}" srcOrd="0" destOrd="1" presId="urn:microsoft.com/office/officeart/2005/8/layout/StepDownProcess"/>
+    <dgm:cxn modelId="{5875BC92-F5E7-40CB-B7FA-46F6AABCCB57}" srcId="{A3320975-793C-47D2-95F3-68E077E714FD}" destId="{A04B7EE7-8112-4AFE-9E55-160F40FCA234}" srcOrd="2" destOrd="0" parTransId="{727C3665-C4B4-490C-9EDA-303680D709F1}" sibTransId="{12D08188-3DC4-4C10-9015-E3EBB2F9EF2F}"/>
+    <dgm:cxn modelId="{735833AB-AFFB-4810-8617-59625CBE2AB6}" srcId="{A3320975-793C-47D2-95F3-68E077E714FD}" destId="{B1C1FE0D-EE1D-444A-80F6-6C2628118094}" srcOrd="1" destOrd="0" parTransId="{088F1FAE-AF98-4BBE-9AFB-3533996D1953}" sibTransId="{903BF7EC-4568-48B5-8F3E-94F34E58C3DE}"/>
+    <dgm:cxn modelId="{405B8781-F050-4514-8C2B-A9F2EE3793CE}" srcId="{2F5BC045-0229-4AC9-BBF8-B8AB45A21D78}" destId="{F4082455-6F93-49D7-BDB8-A5C0630B737E}" srcOrd="2" destOrd="0" parTransId="{FDAF72B8-2F69-4199-A46D-47830FC52254}" sibTransId="{83387DA3-AA81-4E9F-85C8-24908AFF7DE3}"/>
+    <dgm:cxn modelId="{D64A454C-D310-4C2D-9909-350AF06DA9D9}" srcId="{F4082455-6F93-49D7-BDB8-A5C0630B737E}" destId="{7137226E-ADB7-4475-A2E2-3C6EE893FA9F}" srcOrd="0" destOrd="0" parTransId="{C06D951C-A0A5-486E-8D24-524C7B50B6E7}" sibTransId="{BFB12CF2-AE72-4FD4-BCB0-03AFD5B642EC}"/>
+    <dgm:cxn modelId="{8B61AC7F-FFF7-4B56-B18C-A15A7B7BDE7C}" type="presOf" srcId="{5D4350C0-EFB2-43C8-9219-A22CCE04ADC5}" destId="{B5D6CEC3-1353-4DCA-BFFA-ACDDDD018C21}" srcOrd="0" destOrd="0" presId="urn:microsoft.com/office/officeart/2005/8/layout/StepDownProcess"/>
+    <dgm:cxn modelId="{DEE10F2E-A174-4670-9E1D-B5372D28FEC6}" type="presOf" srcId="{4CE1D594-9534-4A8B-8F0F-9BE99CBFFD30}" destId="{B9449A42-E7F2-48F9-BA57-01A92BCC444E}" srcOrd="0" destOrd="0" presId="urn:microsoft.com/office/officeart/2005/8/layout/StepDownProcess"/>
+    <dgm:cxn modelId="{772E954F-8341-4EDC-96A3-0FACDCBBA65E}" srcId="{A3320975-793C-47D2-95F3-68E077E714FD}" destId="{4CE1D594-9534-4A8B-8F0F-9BE99CBFFD30}" srcOrd="0" destOrd="0" parTransId="{24A60710-953D-4879-AD61-86EB0A8D499E}" sibTransId="{FB92A791-3F34-4075-980E-7F38E27B20B9}"/>
     <dgm:cxn modelId="{4530C3BB-79C1-49A0-928F-B10DD063E01F}" type="presOf" srcId="{7137226E-ADB7-4475-A2E2-3C6EE893FA9F}" destId="{039B8A12-B183-40F0-A1C0-4BE802AB4DA0}" srcOrd="0" destOrd="0" presId="urn:microsoft.com/office/officeart/2005/8/layout/StepDownProcess"/>
+    <dgm:cxn modelId="{E284E5EB-2B7D-4753-988F-6321983D8CCF}" type="presOf" srcId="{2F5BC045-0229-4AC9-BBF8-B8AB45A21D78}" destId="{C695EB1D-A1F6-413E-B67A-9498F24AF74E}" srcOrd="0" destOrd="0" presId="urn:microsoft.com/office/officeart/2005/8/layout/StepDownProcess"/>
+    <dgm:cxn modelId="{C38D1A2C-0C84-4D8E-9167-EFF4D1D2233B}" srcId="{2F5BC045-0229-4AC9-BBF8-B8AB45A21D78}" destId="{2B7C463B-4913-4550-8B9D-97DB7C57E22C}" srcOrd="1" destOrd="0" parTransId="{9D43835F-D8BD-475E-B1F4-78AE31BC5306}" sibTransId="{21559D27-DF67-45DA-942C-B79EEA393A0F}"/>
+    <dgm:cxn modelId="{D341F61A-A149-41EE-8470-23CC0AA44EB8}" srcId="{2F5BC045-0229-4AC9-BBF8-B8AB45A21D78}" destId="{A3320975-793C-47D2-95F3-68E077E714FD}" srcOrd="0" destOrd="0" parTransId="{342EEB7E-84AB-4CC2-813D-F123E79B6372}" sibTransId="{DBAE0B1D-2639-446E-82DA-6373A1DFDB66}"/>
     <dgm:cxn modelId="{83A7D16C-1C42-42A1-8AD8-32275FB814CA}" srcId="{2B7C463B-4913-4550-8B9D-97DB7C57E22C}" destId="{5D4350C0-EFB2-43C8-9219-A22CCE04ADC5}" srcOrd="0" destOrd="0" parTransId="{B07A59BD-0AC5-48DE-974C-6EF30B6B99C5}" sibTransId="{7BDE1937-B2FA-457D-94FB-C4B90301A8B4}"/>
-    <dgm:cxn modelId="{D341F61A-A149-41EE-8470-23CC0AA44EB8}" srcId="{2F5BC045-0229-4AC9-BBF8-B8AB45A21D78}" destId="{A3320975-793C-47D2-95F3-68E077E714FD}" srcOrd="0" destOrd="0" parTransId="{342EEB7E-84AB-4CC2-813D-F123E79B6372}" sibTransId="{DBAE0B1D-2639-446E-82DA-6373A1DFDB66}"/>
+    <dgm:cxn modelId="{C6397467-922E-43F9-8D59-89544EABE27D}" type="presOf" srcId="{A3320975-793C-47D2-95F3-68E077E714FD}" destId="{96E216DE-45A8-4B5F-82CA-0A08A2324D6C}" srcOrd="0" destOrd="0" presId="urn:microsoft.com/office/officeart/2005/8/layout/StepDownProcess"/>
+    <dgm:cxn modelId="{94987891-C545-403D-B16C-3192B063A9E0}" type="presOf" srcId="{F4082455-6F93-49D7-BDB8-A5C0630B737E}" destId="{3FBCB1B0-3C36-47CD-9A2D-6FCA977EB9D9}" srcOrd="0" destOrd="0" presId="urn:microsoft.com/office/officeart/2005/8/layout/StepDownProcess"/>
+    <dgm:cxn modelId="{18D8F65C-CAE8-40E9-99B3-E33A70A42A4A}" type="presOf" srcId="{2B7C463B-4913-4550-8B9D-97DB7C57E22C}" destId="{CAAC1550-9C6F-4655-814C-1534682030D4}" srcOrd="0" destOrd="0" presId="urn:microsoft.com/office/officeart/2005/8/layout/StepDownProcess"/>
     <dgm:cxn modelId="{4F014C8D-1661-43C8-9437-65E4F52A8C16}" type="presParOf" srcId="{C695EB1D-A1F6-413E-B67A-9498F24AF74E}" destId="{D87A9921-1440-4663-A3F9-68B760C4B851}" srcOrd="0" destOrd="0" presId="urn:microsoft.com/office/officeart/2005/8/layout/StepDownProcess"/>
     <dgm:cxn modelId="{4D7A055E-A468-477B-BB95-B4A163CEE051}" type="presParOf" srcId="{D87A9921-1440-4663-A3F9-68B760C4B851}" destId="{F70A6318-AA1C-496A-BD5B-494BD335EF6B}" srcOrd="0" destOrd="0" presId="urn:microsoft.com/office/officeart/2005/8/layout/StepDownProcess"/>
     <dgm:cxn modelId="{4C677078-1908-4750-9329-262F2DDC2CD2}" type="presParOf" srcId="{D87A9921-1440-4663-A3F9-68B760C4B851}" destId="{96E216DE-45A8-4B5F-82CA-0A08A2324D6C}" srcOrd="1" destOrd="0" presId="urn:microsoft.com/office/officeart/2005/8/layout/StepDownProcess"/>
@@ -3050,7 +3050,7 @@
       <dgm:spPr/>
     </dgm:pt>
     <dgm:pt modelId="{F604F209-200F-4CBA-92FA-2EAF13702307}">
-      <dgm:prSet phldrT="[텍스트]"/>
+      <dgm:prSet phldrT="[텍스트]" custT="1"/>
       <dgm:spPr>
         <a:solidFill>
           <a:schemeClr val="accent5">
@@ -3065,7 +3065,7 @@
         <a:p>
           <a:pPr latinLnBrk="1"/>
           <a:r>
-            <a:rPr lang="ko-KR" altLang="en-US" dirty="0" smtClean="0">
+            <a:rPr lang="ko-KR" altLang="en-US" sz="1800" dirty="0" smtClean="0">
               <a:solidFill>
                 <a:schemeClr val="tx1"/>
               </a:solidFill>
@@ -3073,23 +3073,23 @@
             <a:t>추출된 </a:t>
           </a:r>
           <a:r>
-            <a:rPr lang="ko-KR" altLang="en-US" dirty="0" err="1" smtClean="0">
+            <a:rPr lang="ko-KR" altLang="en-US" sz="1800" dirty="0" smtClean="0">
               <a:solidFill>
                 <a:schemeClr val="tx1"/>
               </a:solidFill>
             </a:rPr>
-            <a:t>후보종목군에</a:t>
+            <a:t>후보 종목군에 </a:t>
           </a:r>
           <a:r>
-            <a:rPr lang="ko-KR" altLang="en-US" dirty="0" smtClean="0">
+            <a:rPr lang="ko-KR" altLang="en-US" sz="1800" dirty="0" smtClean="0">
               <a:solidFill>
                 <a:schemeClr val="tx1"/>
               </a:solidFill>
             </a:rPr>
-            <a:t> 대한 </a:t>
+            <a:t>대한 </a:t>
           </a:r>
           <a:r>
-            <a:rPr lang="en-US" altLang="ko-KR" dirty="0" smtClean="0">
+            <a:rPr lang="en-US" altLang="ko-KR" sz="1800" dirty="0" smtClean="0">
               <a:solidFill>
                 <a:schemeClr val="tx1"/>
               </a:solidFill>
@@ -3097,14 +3097,14 @@
             <a:t>text </a:t>
           </a:r>
           <a:r>
-            <a:rPr lang="ko-KR" altLang="en-US" dirty="0" smtClean="0">
+            <a:rPr lang="ko-KR" altLang="en-US" sz="1800" dirty="0" smtClean="0">
               <a:solidFill>
                 <a:schemeClr val="tx1"/>
               </a:solidFill>
             </a:rPr>
             <a:t>수집</a:t>
           </a:r>
-          <a:endParaRPr lang="ko-KR" altLang="en-US" dirty="0">
+          <a:endParaRPr lang="ko-KR" altLang="en-US" sz="1800" dirty="0">
             <a:solidFill>
               <a:schemeClr val="tx1"/>
             </a:solidFill>
@@ -3149,30 +3149,58 @@
         <a:p>
           <a:pPr latinLnBrk="1"/>
           <a:r>
-            <a:rPr lang="en-US" altLang="ko-KR" dirty="0" smtClean="0"/>
+            <a:rPr lang="en-US" altLang="ko-KR" dirty="0" smtClean="0">
+              <a:solidFill>
+                <a:schemeClr val="tx1"/>
+              </a:solidFill>
+            </a:rPr>
             <a:t>Text </a:t>
           </a:r>
           <a:r>
-            <a:rPr lang="ko-KR" altLang="en-US" dirty="0" smtClean="0"/>
+            <a:rPr lang="ko-KR" altLang="en-US" dirty="0" smtClean="0">
+              <a:solidFill>
+                <a:schemeClr val="tx1"/>
+              </a:solidFill>
+            </a:rPr>
             <a:t>유사성 기반 종목 </a:t>
           </a:r>
           <a:r>
-            <a:rPr lang="ko-KR" altLang="en-US" dirty="0" err="1" smtClean="0"/>
+            <a:rPr lang="ko-KR" altLang="en-US" dirty="0" err="1" smtClean="0">
+              <a:solidFill>
+                <a:schemeClr val="tx1"/>
+              </a:solidFill>
+            </a:rPr>
             <a:t>필터링</a:t>
           </a:r>
           <a:r>
-            <a:rPr lang="ko-KR" altLang="en-US" dirty="0" smtClean="0"/>
+            <a:rPr lang="ko-KR" altLang="en-US" dirty="0" smtClean="0">
+              <a:solidFill>
+                <a:schemeClr val="tx1"/>
+              </a:solidFill>
+            </a:rPr>
             <a:t> 및 </a:t>
           </a:r>
           <a:r>
-            <a:rPr lang="ko-KR" altLang="en-US" dirty="0" err="1" smtClean="0"/>
+            <a:rPr lang="ko-KR" altLang="en-US" dirty="0" err="1" smtClean="0">
+              <a:solidFill>
+                <a:schemeClr val="tx1"/>
+              </a:solidFill>
+            </a:rPr>
             <a:t>그룹명</a:t>
           </a:r>
           <a:r>
-            <a:rPr lang="ko-KR" altLang="en-US" dirty="0" smtClean="0"/>
+            <a:rPr lang="ko-KR" altLang="en-US" dirty="0" smtClean="0">
+              <a:solidFill>
+                <a:schemeClr val="tx1"/>
+              </a:solidFill>
+            </a:rPr>
             <a:t> 설정</a:t>
           </a:r>
-          <a:endParaRPr lang="ko-KR" altLang="en-US" dirty="0"/>
+          <a:endParaRPr lang="ko-KR" altLang="en-US" dirty="0">
+            <a:solidFill>
+              <a:schemeClr val="tx1"/>
+            </a:solidFill>
+          </a:endParaRPr>
         </a:p>
       </dgm:t>
     </dgm:pt>
@@ -3213,10 +3241,18 @@
         <a:p>
           <a:pPr latinLnBrk="1"/>
           <a:r>
-            <a:rPr lang="ko-KR" altLang="en-US" dirty="0" smtClean="0"/>
+            <a:rPr lang="ko-KR" altLang="en-US" dirty="0" smtClean="0">
+              <a:solidFill>
+                <a:schemeClr val="tx1"/>
+              </a:solidFill>
+            </a:rPr>
             <a:t>그룹별 수급 동향</a:t>
           </a:r>
-          <a:endParaRPr lang="ko-KR" altLang="en-US" dirty="0"/>
+          <a:endParaRPr lang="ko-KR" altLang="en-US" dirty="0">
+            <a:solidFill>
+              <a:schemeClr val="tx1"/>
+            </a:solidFill>
+          </a:endParaRPr>
         </a:p>
       </dgm:t>
     </dgm:pt>
@@ -3248,7 +3284,10 @@
       <dgm:prSet phldrT="[텍스트]"/>
       <dgm:spPr>
         <a:solidFill>
-          <a:srgbClr val="C00000"/>
+          <a:schemeClr val="accent5">
+            <a:lumMod val="40000"/>
+            <a:lumOff val="60000"/>
+          </a:schemeClr>
         </a:solidFill>
       </dgm:spPr>
       <dgm:t>
@@ -3257,10 +3296,18 @@
         <a:p>
           <a:pPr latinLnBrk="1"/>
           <a:r>
-            <a:rPr lang="ko-KR" altLang="en-US" dirty="0" smtClean="0"/>
+            <a:rPr lang="ko-KR" altLang="en-US" dirty="0" smtClean="0">
+              <a:solidFill>
+                <a:schemeClr val="tx1"/>
+              </a:solidFill>
+            </a:rPr>
             <a:t>시각화</a:t>
           </a:r>
-          <a:endParaRPr lang="ko-KR" altLang="en-US" dirty="0"/>
+          <a:endParaRPr lang="ko-KR" altLang="en-US" dirty="0">
+            <a:solidFill>
+              <a:schemeClr val="tx1"/>
+            </a:solidFill>
+          </a:endParaRPr>
         </a:p>
       </dgm:t>
     </dgm:pt>
@@ -3483,8 +3530,7 @@
       <dgm:spPr>
         <a:solidFill>
           <a:schemeClr val="accent5">
-            <a:lumMod val="60000"/>
-            <a:lumOff val="40000"/>
+            <a:lumMod val="75000"/>
           </a:schemeClr>
         </a:solidFill>
       </dgm:spPr>
@@ -3553,7 +3599,10 @@
       <dgm:prSet phldrT="[텍스트]"/>
       <dgm:spPr>
         <a:solidFill>
-          <a:srgbClr val="FF0000"/>
+          <a:schemeClr val="accent5">
+            <a:lumMod val="40000"/>
+            <a:lumOff val="60000"/>
+          </a:schemeClr>
         </a:solidFill>
       </dgm:spPr>
       <dgm:t>
@@ -3562,18 +3611,34 @@
         <a:p>
           <a:pPr latinLnBrk="1"/>
           <a:r>
-            <a:rPr lang="ko-KR" altLang="en-US" dirty="0" smtClean="0"/>
+            <a:rPr lang="ko-KR" altLang="en-US" dirty="0" smtClean="0">
+              <a:solidFill>
+                <a:schemeClr val="tx1"/>
+              </a:solidFill>
+            </a:rPr>
             <a:t>일별 </a:t>
           </a:r>
           <a:r>
-            <a:rPr lang="en-US" altLang="ko-KR" dirty="0" smtClean="0"/>
+            <a:rPr lang="en-US" altLang="ko-KR" dirty="0" smtClean="0">
+              <a:solidFill>
+                <a:schemeClr val="tx1"/>
+              </a:solidFill>
+            </a:rPr>
             <a:t>data</a:t>
           </a:r>
           <a:r>
-            <a:rPr lang="ko-KR" altLang="en-US" dirty="0" smtClean="0"/>
+            <a:rPr lang="ko-KR" altLang="en-US" dirty="0" smtClean="0">
+              <a:solidFill>
+                <a:schemeClr val="tx1"/>
+              </a:solidFill>
+            </a:rPr>
             <a:t>로 유사성 분석</a:t>
           </a:r>
-          <a:endParaRPr lang="ko-KR" altLang="en-US" dirty="0"/>
+          <a:endParaRPr lang="ko-KR" altLang="en-US" dirty="0">
+            <a:solidFill>
+              <a:schemeClr val="tx1"/>
+            </a:solidFill>
+          </a:endParaRPr>
         </a:p>
       </dgm:t>
     </dgm:pt>
@@ -3605,7 +3670,10 @@
       <dgm:prSet phldrT="[텍스트]"/>
       <dgm:spPr>
         <a:solidFill>
-          <a:srgbClr val="C00000"/>
+          <a:schemeClr val="accent5">
+            <a:lumMod val="40000"/>
+            <a:lumOff val="60000"/>
+          </a:schemeClr>
         </a:solidFill>
       </dgm:spPr>
       <dgm:t>
@@ -3614,18 +3682,34 @@
         <a:p>
           <a:pPr latinLnBrk="1"/>
           <a:r>
-            <a:rPr lang="ko-KR" altLang="en-US" dirty="0" smtClean="0"/>
+            <a:rPr lang="ko-KR" altLang="en-US" dirty="0" smtClean="0">
+              <a:solidFill>
+                <a:schemeClr val="tx1"/>
+              </a:solidFill>
+            </a:rPr>
             <a:t>유사성 기반 </a:t>
           </a:r>
           <a:r>
-            <a:rPr lang="ko-KR" altLang="en-US" dirty="0" err="1" smtClean="0"/>
-            <a:t>후보종목군</a:t>
+            <a:rPr lang="ko-KR" altLang="en-US" dirty="0" smtClean="0">
+              <a:solidFill>
+                <a:schemeClr val="tx1"/>
+              </a:solidFill>
+            </a:rPr>
+            <a:t>후보 종목군 </a:t>
           </a:r>
           <a:r>
-            <a:rPr lang="ko-KR" altLang="en-US" dirty="0" smtClean="0"/>
-            <a:t> 추출</a:t>
+            <a:rPr lang="ko-KR" altLang="en-US" dirty="0" smtClean="0">
+              <a:solidFill>
+                <a:schemeClr val="tx1"/>
+              </a:solidFill>
+            </a:rPr>
+            <a:t>추출</a:t>
           </a:r>
-          <a:endParaRPr lang="ko-KR" altLang="en-US" dirty="0"/>
+          <a:endParaRPr lang="ko-KR" altLang="en-US" dirty="0">
+            <a:solidFill>
+              <a:schemeClr val="tx1"/>
+            </a:solidFill>
+          </a:endParaRPr>
         </a:p>
       </dgm:t>
     </dgm:pt>
@@ -3668,22 +3752,42 @@
         <a:p>
           <a:pPr latinLnBrk="1"/>
           <a:r>
-            <a:rPr lang="ko-KR" altLang="en-US" dirty="0" err="1" smtClean="0"/>
-            <a:t>후보종목군</a:t>
+            <a:rPr lang="ko-KR" altLang="en-US" dirty="0" smtClean="0">
+              <a:solidFill>
+                <a:schemeClr val="tx1"/>
+              </a:solidFill>
+            </a:rPr>
+            <a:t>후보 종목군 </a:t>
           </a:r>
           <a:r>
-            <a:rPr lang="ko-KR" altLang="en-US" dirty="0" smtClean="0"/>
-            <a:t> 분봉 </a:t>
+            <a:rPr lang="ko-KR" altLang="en-US" dirty="0" smtClean="0">
+              <a:solidFill>
+                <a:schemeClr val="tx1"/>
+              </a:solidFill>
+            </a:rPr>
+            <a:t>분봉 </a:t>
           </a:r>
           <a:r>
-            <a:rPr lang="en-US" altLang="ko-KR" dirty="0" smtClean="0"/>
+            <a:rPr lang="en-US" altLang="ko-KR" dirty="0" smtClean="0">
+              <a:solidFill>
+                <a:schemeClr val="tx1"/>
+              </a:solidFill>
+            </a:rPr>
             <a:t>data</a:t>
           </a:r>
           <a:r>
-            <a:rPr lang="ko-KR" altLang="en-US" dirty="0" smtClean="0"/>
+            <a:rPr lang="ko-KR" altLang="en-US" dirty="0" smtClean="0">
+              <a:solidFill>
+                <a:schemeClr val="tx1"/>
+              </a:solidFill>
+            </a:rPr>
             <a:t>수집</a:t>
           </a:r>
-          <a:endParaRPr lang="ko-KR" altLang="en-US" dirty="0"/>
+          <a:endParaRPr lang="ko-KR" altLang="en-US" dirty="0">
+            <a:solidFill>
+              <a:schemeClr val="tx1"/>
+            </a:solidFill>
+          </a:endParaRPr>
         </a:p>
       </dgm:t>
     </dgm:pt>
@@ -3715,7 +3819,10 @@
       <dgm:prSet phldrT="[텍스트]"/>
       <dgm:spPr>
         <a:solidFill>
-          <a:srgbClr val="C00000"/>
+          <a:schemeClr val="accent5">
+            <a:lumMod val="40000"/>
+            <a:lumOff val="60000"/>
+          </a:schemeClr>
         </a:solidFill>
       </dgm:spPr>
       <dgm:t>
@@ -3724,14 +3831,26 @@
         <a:p>
           <a:pPr latinLnBrk="1"/>
           <a:r>
-            <a:rPr lang="ko-KR" altLang="en-US" dirty="0" smtClean="0"/>
+            <a:rPr lang="ko-KR" altLang="en-US" dirty="0" smtClean="0">
+              <a:solidFill>
+                <a:schemeClr val="tx1"/>
+              </a:solidFill>
+            </a:rPr>
             <a:t>분봉 유사성 기반 종목 </a:t>
           </a:r>
           <a:r>
-            <a:rPr lang="ko-KR" altLang="en-US" dirty="0" err="1" smtClean="0"/>
+            <a:rPr lang="ko-KR" altLang="en-US" dirty="0" err="1" smtClean="0">
+              <a:solidFill>
+                <a:schemeClr val="tx1"/>
+              </a:solidFill>
+            </a:rPr>
             <a:t>필터링</a:t>
           </a:r>
-          <a:endParaRPr lang="ko-KR" altLang="en-US" dirty="0"/>
+          <a:endParaRPr lang="ko-KR" altLang="en-US" dirty="0">
+            <a:solidFill>
+              <a:schemeClr val="tx1"/>
+            </a:solidFill>
+          </a:endParaRPr>
         </a:p>
       </dgm:t>
     </dgm:pt>
@@ -4768,12 +4887,12 @@
             <a:t>추출된 </a:t>
           </a:r>
           <a:r>
-            <a:rPr lang="ko-KR" altLang="en-US" sz="1800" kern="1200" dirty="0" err="1" smtClean="0">
+            <a:rPr lang="ko-KR" altLang="en-US" sz="1800" kern="1200" dirty="0" smtClean="0">
               <a:solidFill>
                 <a:schemeClr val="tx1"/>
               </a:solidFill>
             </a:rPr>
-            <a:t>후보종목군에</a:t>
+            <a:t>후보 종목군에 </a:t>
           </a:r>
           <a:r>
             <a:rPr lang="ko-KR" altLang="en-US" sz="1800" kern="1200" dirty="0" smtClean="0">
@@ -4781,7 +4900,7 @@
                 <a:schemeClr val="tx1"/>
               </a:solidFill>
             </a:rPr>
-            <a:t> 대한 </a:t>
+            <a:t>대한 </a:t>
           </a:r>
           <a:r>
             <a:rPr lang="en-US" altLang="ko-KR" sz="1800" kern="1200" dirty="0" smtClean="0">
@@ -4943,30 +5062,58 @@
             </a:spcAft>
           </a:pPr>
           <a:r>
-            <a:rPr lang="en-US" altLang="ko-KR" sz="1800" kern="1200" dirty="0" smtClean="0"/>
+            <a:rPr lang="en-US" altLang="ko-KR" sz="1800" kern="1200" dirty="0" smtClean="0">
+              <a:solidFill>
+                <a:schemeClr val="tx1"/>
+              </a:solidFill>
+            </a:rPr>
             <a:t>Text </a:t>
           </a:r>
           <a:r>
-            <a:rPr lang="ko-KR" altLang="en-US" sz="1800" kern="1200" dirty="0" smtClean="0"/>
+            <a:rPr lang="ko-KR" altLang="en-US" sz="1800" kern="1200" dirty="0" smtClean="0">
+              <a:solidFill>
+                <a:schemeClr val="tx1"/>
+              </a:solidFill>
+            </a:rPr>
             <a:t>유사성 기반 종목 </a:t>
           </a:r>
           <a:r>
-            <a:rPr lang="ko-KR" altLang="en-US" sz="1800" kern="1200" dirty="0" err="1" smtClean="0"/>
+            <a:rPr lang="ko-KR" altLang="en-US" sz="1800" kern="1200" dirty="0" err="1" smtClean="0">
+              <a:solidFill>
+                <a:schemeClr val="tx1"/>
+              </a:solidFill>
+            </a:rPr>
             <a:t>필터링</a:t>
           </a:r>
           <a:r>
-            <a:rPr lang="ko-KR" altLang="en-US" sz="1800" kern="1200" dirty="0" smtClean="0"/>
+            <a:rPr lang="ko-KR" altLang="en-US" sz="1800" kern="1200" dirty="0" smtClean="0">
+              <a:solidFill>
+                <a:schemeClr val="tx1"/>
+              </a:solidFill>
+            </a:rPr>
             <a:t> 및 </a:t>
           </a:r>
           <a:r>
-            <a:rPr lang="ko-KR" altLang="en-US" sz="1800" kern="1200" dirty="0" err="1" smtClean="0"/>
+            <a:rPr lang="ko-KR" altLang="en-US" sz="1800" kern="1200" dirty="0" err="1" smtClean="0">
+              <a:solidFill>
+                <a:schemeClr val="tx1"/>
+              </a:solidFill>
+            </a:rPr>
             <a:t>그룹명</a:t>
           </a:r>
           <a:r>
-            <a:rPr lang="ko-KR" altLang="en-US" sz="1800" kern="1200" dirty="0" smtClean="0"/>
+            <a:rPr lang="ko-KR" altLang="en-US" sz="1800" kern="1200" dirty="0" smtClean="0">
+              <a:solidFill>
+                <a:schemeClr val="tx1"/>
+              </a:solidFill>
+            </a:rPr>
             <a:t> 설정</a:t>
           </a:r>
-          <a:endParaRPr lang="ko-KR" altLang="en-US" sz="1800" kern="1200" dirty="0"/>
+          <a:endParaRPr lang="ko-KR" altLang="en-US" sz="1800" kern="1200" dirty="0">
+            <a:solidFill>
+              <a:schemeClr val="tx1"/>
+            </a:solidFill>
+          </a:endParaRPr>
         </a:p>
       </dsp:txBody>
       <dsp:txXfrm>
@@ -5106,10 +5253,18 @@
             </a:spcAft>
           </a:pPr>
           <a:r>
-            <a:rPr lang="ko-KR" altLang="en-US" sz="1800" kern="1200" dirty="0" smtClean="0"/>
+            <a:rPr lang="ko-KR" altLang="en-US" sz="1800" kern="1200" dirty="0" smtClean="0">
+              <a:solidFill>
+                <a:schemeClr val="tx1"/>
+              </a:solidFill>
+            </a:rPr>
             <a:t>그룹별 수급 동향</a:t>
           </a:r>
-          <a:endParaRPr lang="ko-KR" altLang="en-US" sz="1800" kern="1200" dirty="0"/>
+          <a:endParaRPr lang="ko-KR" altLang="en-US" sz="1800" kern="1200" dirty="0">
+            <a:solidFill>
+              <a:schemeClr val="tx1"/>
+            </a:solidFill>
+          </a:endParaRPr>
         </a:p>
       </dsp:txBody>
       <dsp:txXfrm>
@@ -5202,7 +5357,10 @@
           </a:avLst>
         </a:prstGeom>
         <a:solidFill>
-          <a:srgbClr val="C00000"/>
+          <a:schemeClr val="accent5">
+            <a:lumMod val="40000"/>
+            <a:lumOff val="60000"/>
+          </a:schemeClr>
         </a:solidFill>
         <a:ln w="28575" cap="flat" cmpd="sng" algn="ctr">
           <a:solidFill>
@@ -5249,10 +5407,18 @@
             </a:spcAft>
           </a:pPr>
           <a:r>
-            <a:rPr lang="ko-KR" altLang="en-US" sz="1800" kern="1200" dirty="0" smtClean="0"/>
+            <a:rPr lang="ko-KR" altLang="en-US" sz="1800" kern="1200" dirty="0" smtClean="0">
+              <a:solidFill>
+                <a:schemeClr val="tx1"/>
+              </a:solidFill>
+            </a:rPr>
             <a:t>시각화</a:t>
           </a:r>
-          <a:endParaRPr lang="ko-KR" altLang="en-US" sz="1800" kern="1200" dirty="0"/>
+          <a:endParaRPr lang="ko-KR" altLang="en-US" sz="1800" kern="1200" dirty="0">
+            <a:solidFill>
+              <a:schemeClr val="tx1"/>
+            </a:solidFill>
+          </a:endParaRPr>
         </a:p>
       </dsp:txBody>
       <dsp:txXfrm>
@@ -5289,8 +5455,7 @@
         </a:prstGeom>
         <a:solidFill>
           <a:schemeClr val="accent5">
-            <a:lumMod val="60000"/>
-            <a:lumOff val="40000"/>
+            <a:lumMod val="75000"/>
           </a:schemeClr>
         </a:solidFill>
         <a:ln w="28575" cap="flat" cmpd="sng" algn="ctr">
@@ -5458,7 +5623,10 @@
           </a:avLst>
         </a:prstGeom>
         <a:solidFill>
-          <a:srgbClr val="FF0000"/>
+          <a:schemeClr val="accent5">
+            <a:lumMod val="40000"/>
+            <a:lumOff val="60000"/>
+          </a:schemeClr>
         </a:solidFill>
         <a:ln w="28575" cap="flat" cmpd="sng" algn="ctr">
           <a:solidFill>
@@ -5505,18 +5673,34 @@
             </a:spcAft>
           </a:pPr>
           <a:r>
-            <a:rPr lang="ko-KR" altLang="en-US" sz="1800" kern="1200" dirty="0" smtClean="0"/>
+            <a:rPr lang="ko-KR" altLang="en-US" sz="1800" kern="1200" dirty="0" smtClean="0">
+              <a:solidFill>
+                <a:schemeClr val="tx1"/>
+              </a:solidFill>
+            </a:rPr>
             <a:t>일별 </a:t>
           </a:r>
           <a:r>
-            <a:rPr lang="en-US" altLang="ko-KR" sz="1800" kern="1200" dirty="0" smtClean="0"/>
+            <a:rPr lang="en-US" altLang="ko-KR" sz="1800" kern="1200" dirty="0" smtClean="0">
+              <a:solidFill>
+                <a:schemeClr val="tx1"/>
+              </a:solidFill>
+            </a:rPr>
             <a:t>data</a:t>
           </a:r>
           <a:r>
-            <a:rPr lang="ko-KR" altLang="en-US" sz="1800" kern="1200" dirty="0" smtClean="0"/>
+            <a:rPr lang="ko-KR" altLang="en-US" sz="1800" kern="1200" dirty="0" smtClean="0">
+              <a:solidFill>
+                <a:schemeClr val="tx1"/>
+              </a:solidFill>
+            </a:rPr>
             <a:t>로 유사성 분석</a:t>
           </a:r>
-          <a:endParaRPr lang="ko-KR" altLang="en-US" sz="1800" kern="1200" dirty="0"/>
+          <a:endParaRPr lang="ko-KR" altLang="en-US" sz="1800" kern="1200" dirty="0">
+            <a:solidFill>
+              <a:schemeClr val="tx1"/>
+            </a:solidFill>
+          </a:endParaRPr>
         </a:p>
       </dsp:txBody>
       <dsp:txXfrm>
@@ -5609,7 +5793,10 @@
           </a:avLst>
         </a:prstGeom>
         <a:solidFill>
-          <a:srgbClr val="C00000"/>
+          <a:schemeClr val="accent5">
+            <a:lumMod val="40000"/>
+            <a:lumOff val="60000"/>
+          </a:schemeClr>
         </a:solidFill>
         <a:ln w="28575" cap="flat" cmpd="sng" algn="ctr">
           <a:solidFill>
@@ -5656,18 +5843,34 @@
             </a:spcAft>
           </a:pPr>
           <a:r>
-            <a:rPr lang="ko-KR" altLang="en-US" sz="1800" kern="1200" dirty="0" smtClean="0"/>
+            <a:rPr lang="ko-KR" altLang="en-US" sz="1800" kern="1200" dirty="0" smtClean="0">
+              <a:solidFill>
+                <a:schemeClr val="tx1"/>
+              </a:solidFill>
+            </a:rPr>
             <a:t>유사성 기반 </a:t>
           </a:r>
           <a:r>
-            <a:rPr lang="ko-KR" altLang="en-US" sz="1800" kern="1200" dirty="0" err="1" smtClean="0"/>
-            <a:t>후보종목군</a:t>
+            <a:rPr lang="ko-KR" altLang="en-US" sz="1800" kern="1200" dirty="0" smtClean="0">
+              <a:solidFill>
+                <a:schemeClr val="tx1"/>
+              </a:solidFill>
+            </a:rPr>
+            <a:t>후보 종목군 </a:t>
           </a:r>
           <a:r>
-            <a:rPr lang="ko-KR" altLang="en-US" sz="1800" kern="1200" dirty="0" smtClean="0"/>
-            <a:t> 추출</a:t>
+            <a:rPr lang="ko-KR" altLang="en-US" sz="1800" kern="1200" dirty="0" smtClean="0">
+              <a:solidFill>
+                <a:schemeClr val="tx1"/>
+              </a:solidFill>
+            </a:rPr>
+            <a:t>추출</a:t>
           </a:r>
-          <a:endParaRPr lang="ko-KR" altLang="en-US" sz="1800" kern="1200" dirty="0"/>
+          <a:endParaRPr lang="ko-KR" altLang="en-US" sz="1800" kern="1200" dirty="0">
+            <a:solidFill>
+              <a:schemeClr val="tx1"/>
+            </a:solidFill>
+          </a:endParaRPr>
         </a:p>
       </dsp:txBody>
       <dsp:txXfrm>
@@ -5809,22 +6012,42 @@
             </a:spcAft>
           </a:pPr>
           <a:r>
-            <a:rPr lang="ko-KR" altLang="en-US" sz="1800" kern="1200" dirty="0" err="1" smtClean="0"/>
-            <a:t>후보종목군</a:t>
+            <a:rPr lang="ko-KR" altLang="en-US" sz="1800" kern="1200" dirty="0" smtClean="0">
+              <a:solidFill>
+                <a:schemeClr val="tx1"/>
+              </a:solidFill>
+            </a:rPr>
+            <a:t>후보 종목군 </a:t>
           </a:r>
           <a:r>
-            <a:rPr lang="ko-KR" altLang="en-US" sz="1800" kern="1200" dirty="0" smtClean="0"/>
-            <a:t> 분봉 </a:t>
+            <a:rPr lang="ko-KR" altLang="en-US" sz="1800" kern="1200" dirty="0" smtClean="0">
+              <a:solidFill>
+                <a:schemeClr val="tx1"/>
+              </a:solidFill>
+            </a:rPr>
+            <a:t>분봉 </a:t>
           </a:r>
           <a:r>
-            <a:rPr lang="en-US" altLang="ko-KR" sz="1800" kern="1200" dirty="0" smtClean="0"/>
+            <a:rPr lang="en-US" altLang="ko-KR" sz="1800" kern="1200" dirty="0" smtClean="0">
+              <a:solidFill>
+                <a:schemeClr val="tx1"/>
+              </a:solidFill>
+            </a:rPr>
             <a:t>data</a:t>
           </a:r>
           <a:r>
-            <a:rPr lang="ko-KR" altLang="en-US" sz="1800" kern="1200" dirty="0" smtClean="0"/>
+            <a:rPr lang="ko-KR" altLang="en-US" sz="1800" kern="1200" dirty="0" smtClean="0">
+              <a:solidFill>
+                <a:schemeClr val="tx1"/>
+              </a:solidFill>
+            </a:rPr>
             <a:t>수집</a:t>
           </a:r>
-          <a:endParaRPr lang="ko-KR" altLang="en-US" sz="1800" kern="1200" dirty="0"/>
+          <a:endParaRPr lang="ko-KR" altLang="en-US" sz="1800" kern="1200" dirty="0">
+            <a:solidFill>
+              <a:schemeClr val="tx1"/>
+            </a:solidFill>
+          </a:endParaRPr>
         </a:p>
       </dsp:txBody>
       <dsp:txXfrm>
@@ -5917,7 +6140,10 @@
           </a:avLst>
         </a:prstGeom>
         <a:solidFill>
-          <a:srgbClr val="C00000"/>
+          <a:schemeClr val="accent5">
+            <a:lumMod val="40000"/>
+            <a:lumOff val="60000"/>
+          </a:schemeClr>
         </a:solidFill>
         <a:ln w="28575" cap="flat" cmpd="sng" algn="ctr">
           <a:solidFill>
@@ -5964,14 +6190,26 @@
             </a:spcAft>
           </a:pPr>
           <a:r>
-            <a:rPr lang="ko-KR" altLang="en-US" sz="1800" kern="1200" dirty="0" smtClean="0"/>
+            <a:rPr lang="ko-KR" altLang="en-US" sz="1800" kern="1200" dirty="0" smtClean="0">
+              <a:solidFill>
+                <a:schemeClr val="tx1"/>
+              </a:solidFill>
+            </a:rPr>
             <a:t>분봉 유사성 기반 종목 </a:t>
           </a:r>
           <a:r>
-            <a:rPr lang="ko-KR" altLang="en-US" sz="1800" kern="1200" dirty="0" err="1" smtClean="0"/>
+            <a:rPr lang="ko-KR" altLang="en-US" sz="1800" kern="1200" dirty="0" err="1" smtClean="0">
+              <a:solidFill>
+                <a:schemeClr val="tx1"/>
+              </a:solidFill>
+            </a:rPr>
             <a:t>필터링</a:t>
           </a:r>
-          <a:endParaRPr lang="ko-KR" altLang="en-US" sz="1800" kern="1200" dirty="0"/>
+          <a:endParaRPr lang="ko-KR" altLang="en-US" sz="1800" kern="1200" dirty="0">
+            <a:solidFill>
+              <a:schemeClr val="tx1"/>
+            </a:solidFill>
+          </a:endParaRPr>
         </a:p>
       </dsp:txBody>
       <dsp:txXfrm>
@@ -14795,7 +15033,7 @@
             <p:ph sz="half" idx="2"/>
             <p:extLst>
               <p:ext uri="{D42A27DB-BD31-4B8C-83A1-F6EECF244321}">
-                <p14:modId xmlns:p14="http://schemas.microsoft.com/office/powerpoint/2010/main" val="2564883990"/>
+                <p14:modId xmlns:p14="http://schemas.microsoft.com/office/powerpoint/2010/main" val="1264948897"/>
               </p:ext>
             </p:extLst>
           </p:nvPr>
@@ -14820,7 +15058,7 @@
             <p:ph sz="quarter" idx="13"/>
             <p:extLst>
               <p:ext uri="{D42A27DB-BD31-4B8C-83A1-F6EECF244321}">
-                <p14:modId xmlns:p14="http://schemas.microsoft.com/office/powerpoint/2010/main" val="549223167"/>
+                <p14:modId xmlns:p14="http://schemas.microsoft.com/office/powerpoint/2010/main" val="1132049596"/>
               </p:ext>
             </p:extLst>
           </p:nvPr>
